--- a/mul/mul_2d/MUL.pptx
+++ b/mul/mul_2d/MUL.pptx
@@ -6,9 +6,10 @@
   </p:sldMasterIdLst>
   <p:sldIdLst>
     <p:sldId id="256" r:id="rId2"/>
-    <p:sldId id="257" r:id="rId3"/>
-    <p:sldId id="258" r:id="rId4"/>
-    <p:sldId id="259" r:id="rId5"/>
+    <p:sldId id="260" r:id="rId3"/>
+    <p:sldId id="257" r:id="rId4"/>
+    <p:sldId id="258" r:id="rId5"/>
+    <p:sldId id="259" r:id="rId6"/>
   </p:sldIdLst>
   <p:sldSz cx="9144000" cy="6858000" type="screen4x3"/>
   <p:notesSz cx="6858000" cy="9144000"/>
@@ -107,6 +108,22 @@
       </a:defRPr>
     </a:lvl9pPr>
   </p:defaultTextStyle>
+  <p:extLst>
+    <p:ext uri="{EFAFB233-063F-42B5-8137-9DF3F51BA10A}">
+      <p15:sldGuideLst xmlns:p15="http://schemas.microsoft.com/office/powerpoint/2012/main">
+        <p15:guide id="1" orient="horz" pos="2160">
+          <p15:clr>
+            <a:srgbClr val="A4A3A4"/>
+          </p15:clr>
+        </p15:guide>
+        <p15:guide id="2" pos="2880">
+          <p15:clr>
+            <a:srgbClr val="A4A3A4"/>
+          </p15:clr>
+        </p15:guide>
+      </p15:sldGuideLst>
+    </p:ext>
+  </p:extLst>
 </p:presentation>
 </file>
 
@@ -148,10 +165,9 @@
           <a:lstStyle/>
           <a:p>
             <a:r>
-              <a:rPr lang="zh-TW" altLang="en-US" smtClean="0"/>
+              <a:rPr lang="zh-TW" altLang="en-US"/>
               <a:t>按一下以編輯母片標題樣式</a:t>
             </a:r>
-            <a:endParaRPr lang="zh-TW" altLang="en-US"/>
           </a:p>
         </p:txBody>
       </p:sp>
@@ -267,10 +283,9 @@
           </a:lstStyle>
           <a:p>
             <a:r>
-              <a:rPr lang="zh-TW" altLang="en-US" smtClean="0"/>
+              <a:rPr lang="zh-TW" altLang="en-US"/>
               <a:t>按一下以編輯母片副標題樣式</a:t>
             </a:r>
-            <a:endParaRPr lang="zh-TW" altLang="en-US"/>
           </a:p>
         </p:txBody>
       </p:sp>
@@ -291,7 +306,7 @@
           <a:p>
             <a:fld id="{5BBEAD13-0566-4C6C-97E7-55F17F24B09F}" type="datetimeFigureOut">
               <a:rPr lang="zh-TW" altLang="en-US" smtClean="0"/>
-              <a:t>2020/2/16</a:t>
+              <a:t>2020/3/7</a:t>
             </a:fld>
             <a:endParaRPr lang="zh-TW" altLang="en-US"/>
           </a:p>
@@ -380,10 +395,9 @@
           <a:lstStyle/>
           <a:p>
             <a:r>
-              <a:rPr lang="zh-TW" altLang="en-US" smtClean="0"/>
+              <a:rPr lang="zh-TW" altLang="en-US"/>
               <a:t>按一下以編輯母片標題樣式</a:t>
             </a:r>
-            <a:endParaRPr lang="zh-TW" altLang="en-US"/>
           </a:p>
         </p:txBody>
       </p:sp>
@@ -404,38 +418,37 @@
           <a:p>
             <a:pPr lvl="0"/>
             <a:r>
-              <a:rPr lang="zh-TW" altLang="en-US" smtClean="0"/>
+              <a:rPr lang="zh-TW" altLang="en-US"/>
               <a:t>按一下以編輯母片文字樣式</a:t>
             </a:r>
           </a:p>
           <a:p>
             <a:pPr lvl="1"/>
             <a:r>
-              <a:rPr lang="zh-TW" altLang="en-US" smtClean="0"/>
+              <a:rPr lang="zh-TW" altLang="en-US"/>
               <a:t>第二層</a:t>
             </a:r>
           </a:p>
           <a:p>
             <a:pPr lvl="2"/>
             <a:r>
-              <a:rPr lang="zh-TW" altLang="en-US" smtClean="0"/>
+              <a:rPr lang="zh-TW" altLang="en-US"/>
               <a:t>第三層</a:t>
             </a:r>
           </a:p>
           <a:p>
             <a:pPr lvl="3"/>
             <a:r>
-              <a:rPr lang="zh-TW" altLang="en-US" smtClean="0"/>
+              <a:rPr lang="zh-TW" altLang="en-US"/>
               <a:t>第四層</a:t>
             </a:r>
           </a:p>
           <a:p>
             <a:pPr lvl="4"/>
             <a:r>
-              <a:rPr lang="zh-TW" altLang="en-US" smtClean="0"/>
+              <a:rPr lang="zh-TW" altLang="en-US"/>
               <a:t>第五層</a:t>
             </a:r>
-            <a:endParaRPr lang="zh-TW" altLang="en-US"/>
           </a:p>
         </p:txBody>
       </p:sp>
@@ -456,7 +469,7 @@
           <a:p>
             <a:fld id="{5BBEAD13-0566-4C6C-97E7-55F17F24B09F}" type="datetimeFigureOut">
               <a:rPr lang="zh-TW" altLang="en-US" smtClean="0"/>
-              <a:t>2020/2/16</a:t>
+              <a:t>2020/3/7</a:t>
             </a:fld>
             <a:endParaRPr lang="zh-TW" altLang="en-US"/>
           </a:p>
@@ -550,10 +563,9 @@
           <a:lstStyle/>
           <a:p>
             <a:r>
-              <a:rPr lang="zh-TW" altLang="en-US" smtClean="0"/>
+              <a:rPr lang="zh-TW" altLang="en-US"/>
               <a:t>按一下以編輯母片標題樣式</a:t>
             </a:r>
-            <a:endParaRPr lang="zh-TW" altLang="en-US"/>
           </a:p>
         </p:txBody>
       </p:sp>
@@ -579,38 +591,37 @@
           <a:p>
             <a:pPr lvl="0"/>
             <a:r>
-              <a:rPr lang="zh-TW" altLang="en-US" smtClean="0"/>
+              <a:rPr lang="zh-TW" altLang="en-US"/>
               <a:t>按一下以編輯母片文字樣式</a:t>
             </a:r>
           </a:p>
           <a:p>
             <a:pPr lvl="1"/>
             <a:r>
-              <a:rPr lang="zh-TW" altLang="en-US" smtClean="0"/>
+              <a:rPr lang="zh-TW" altLang="en-US"/>
               <a:t>第二層</a:t>
             </a:r>
           </a:p>
           <a:p>
             <a:pPr lvl="2"/>
             <a:r>
-              <a:rPr lang="zh-TW" altLang="en-US" smtClean="0"/>
+              <a:rPr lang="zh-TW" altLang="en-US"/>
               <a:t>第三層</a:t>
             </a:r>
           </a:p>
           <a:p>
             <a:pPr lvl="3"/>
             <a:r>
-              <a:rPr lang="zh-TW" altLang="en-US" smtClean="0"/>
+              <a:rPr lang="zh-TW" altLang="en-US"/>
               <a:t>第四層</a:t>
             </a:r>
           </a:p>
           <a:p>
             <a:pPr lvl="4"/>
             <a:r>
-              <a:rPr lang="zh-TW" altLang="en-US" smtClean="0"/>
+              <a:rPr lang="zh-TW" altLang="en-US"/>
               <a:t>第五層</a:t>
             </a:r>
-            <a:endParaRPr lang="zh-TW" altLang="en-US"/>
           </a:p>
         </p:txBody>
       </p:sp>
@@ -631,7 +642,7 @@
           <a:p>
             <a:fld id="{5BBEAD13-0566-4C6C-97E7-55F17F24B09F}" type="datetimeFigureOut">
               <a:rPr lang="zh-TW" altLang="en-US" smtClean="0"/>
-              <a:t>2020/2/16</a:t>
+              <a:t>2020/3/7</a:t>
             </a:fld>
             <a:endParaRPr lang="zh-TW" altLang="en-US"/>
           </a:p>
@@ -720,10 +731,9 @@
           <a:lstStyle/>
           <a:p>
             <a:r>
-              <a:rPr lang="zh-TW" altLang="en-US" smtClean="0"/>
+              <a:rPr lang="zh-TW" altLang="en-US"/>
               <a:t>按一下以編輯母片標題樣式</a:t>
             </a:r>
-            <a:endParaRPr lang="zh-TW" altLang="en-US"/>
           </a:p>
         </p:txBody>
       </p:sp>
@@ -744,38 +754,37 @@
           <a:p>
             <a:pPr lvl="0"/>
             <a:r>
-              <a:rPr lang="zh-TW" altLang="en-US" smtClean="0"/>
+              <a:rPr lang="zh-TW" altLang="en-US"/>
               <a:t>按一下以編輯母片文字樣式</a:t>
             </a:r>
           </a:p>
           <a:p>
             <a:pPr lvl="1"/>
             <a:r>
-              <a:rPr lang="zh-TW" altLang="en-US" smtClean="0"/>
+              <a:rPr lang="zh-TW" altLang="en-US"/>
               <a:t>第二層</a:t>
             </a:r>
           </a:p>
           <a:p>
             <a:pPr lvl="2"/>
             <a:r>
-              <a:rPr lang="zh-TW" altLang="en-US" smtClean="0"/>
+              <a:rPr lang="zh-TW" altLang="en-US"/>
               <a:t>第三層</a:t>
             </a:r>
           </a:p>
           <a:p>
             <a:pPr lvl="3"/>
             <a:r>
-              <a:rPr lang="zh-TW" altLang="en-US" smtClean="0"/>
+              <a:rPr lang="zh-TW" altLang="en-US"/>
               <a:t>第四層</a:t>
             </a:r>
           </a:p>
           <a:p>
             <a:pPr lvl="4"/>
             <a:r>
-              <a:rPr lang="zh-TW" altLang="en-US" smtClean="0"/>
+              <a:rPr lang="zh-TW" altLang="en-US"/>
               <a:t>第五層</a:t>
             </a:r>
-            <a:endParaRPr lang="zh-TW" altLang="en-US"/>
           </a:p>
         </p:txBody>
       </p:sp>
@@ -796,7 +805,7 @@
           <a:p>
             <a:fld id="{5BBEAD13-0566-4C6C-97E7-55F17F24B09F}" type="datetimeFigureOut">
               <a:rPr lang="zh-TW" altLang="en-US" smtClean="0"/>
-              <a:t>2020/2/16</a:t>
+              <a:t>2020/3/7</a:t>
             </a:fld>
             <a:endParaRPr lang="zh-TW" altLang="en-US"/>
           </a:p>
@@ -894,10 +903,9 @@
           </a:lstStyle>
           <a:p>
             <a:r>
-              <a:rPr lang="zh-TW" altLang="en-US" smtClean="0"/>
+              <a:rPr lang="zh-TW" altLang="en-US"/>
               <a:t>按一下以編輯母片標題樣式</a:t>
             </a:r>
-            <a:endParaRPr lang="zh-TW" altLang="en-US"/>
           </a:p>
         </p:txBody>
       </p:sp>
@@ -1014,7 +1022,7 @@
           <a:p>
             <a:pPr lvl="0"/>
             <a:r>
-              <a:rPr lang="zh-TW" altLang="en-US" smtClean="0"/>
+              <a:rPr lang="zh-TW" altLang="en-US"/>
               <a:t>按一下以編輯母片文字樣式</a:t>
             </a:r>
           </a:p>
@@ -1037,7 +1045,7 @@
           <a:p>
             <a:fld id="{5BBEAD13-0566-4C6C-97E7-55F17F24B09F}" type="datetimeFigureOut">
               <a:rPr lang="zh-TW" altLang="en-US" smtClean="0"/>
-              <a:t>2020/2/16</a:t>
+              <a:t>2020/3/7</a:t>
             </a:fld>
             <a:endParaRPr lang="zh-TW" altLang="en-US"/>
           </a:p>
@@ -1126,10 +1134,9 @@
           <a:lstStyle/>
           <a:p>
             <a:r>
-              <a:rPr lang="zh-TW" altLang="en-US" smtClean="0"/>
+              <a:rPr lang="zh-TW" altLang="en-US"/>
               <a:t>按一下以編輯母片標題樣式</a:t>
             </a:r>
-            <a:endParaRPr lang="zh-TW" altLang="en-US"/>
           </a:p>
         </p:txBody>
       </p:sp>
@@ -1183,38 +1190,37 @@
           <a:p>
             <a:pPr lvl="0"/>
             <a:r>
-              <a:rPr lang="zh-TW" altLang="en-US" smtClean="0"/>
+              <a:rPr lang="zh-TW" altLang="en-US"/>
               <a:t>按一下以編輯母片文字樣式</a:t>
             </a:r>
           </a:p>
           <a:p>
             <a:pPr lvl="1"/>
             <a:r>
-              <a:rPr lang="zh-TW" altLang="en-US" smtClean="0"/>
+              <a:rPr lang="zh-TW" altLang="en-US"/>
               <a:t>第二層</a:t>
             </a:r>
           </a:p>
           <a:p>
             <a:pPr lvl="2"/>
             <a:r>
-              <a:rPr lang="zh-TW" altLang="en-US" smtClean="0"/>
+              <a:rPr lang="zh-TW" altLang="en-US"/>
               <a:t>第三層</a:t>
             </a:r>
           </a:p>
           <a:p>
             <a:pPr lvl="3"/>
             <a:r>
-              <a:rPr lang="zh-TW" altLang="en-US" smtClean="0"/>
+              <a:rPr lang="zh-TW" altLang="en-US"/>
               <a:t>第四層</a:t>
             </a:r>
           </a:p>
           <a:p>
             <a:pPr lvl="4"/>
             <a:r>
-              <a:rPr lang="zh-TW" altLang="en-US" smtClean="0"/>
+              <a:rPr lang="zh-TW" altLang="en-US"/>
               <a:t>第五層</a:t>
             </a:r>
-            <a:endParaRPr lang="zh-TW" altLang="en-US"/>
           </a:p>
         </p:txBody>
       </p:sp>
@@ -1268,38 +1274,37 @@
           <a:p>
             <a:pPr lvl="0"/>
             <a:r>
-              <a:rPr lang="zh-TW" altLang="en-US" smtClean="0"/>
+              <a:rPr lang="zh-TW" altLang="en-US"/>
               <a:t>按一下以編輯母片文字樣式</a:t>
             </a:r>
           </a:p>
           <a:p>
             <a:pPr lvl="1"/>
             <a:r>
-              <a:rPr lang="zh-TW" altLang="en-US" smtClean="0"/>
+              <a:rPr lang="zh-TW" altLang="en-US"/>
               <a:t>第二層</a:t>
             </a:r>
           </a:p>
           <a:p>
             <a:pPr lvl="2"/>
             <a:r>
-              <a:rPr lang="zh-TW" altLang="en-US" smtClean="0"/>
+              <a:rPr lang="zh-TW" altLang="en-US"/>
               <a:t>第三層</a:t>
             </a:r>
           </a:p>
           <a:p>
             <a:pPr lvl="3"/>
             <a:r>
-              <a:rPr lang="zh-TW" altLang="en-US" smtClean="0"/>
+              <a:rPr lang="zh-TW" altLang="en-US"/>
               <a:t>第四層</a:t>
             </a:r>
           </a:p>
           <a:p>
             <a:pPr lvl="4"/>
             <a:r>
-              <a:rPr lang="zh-TW" altLang="en-US" smtClean="0"/>
+              <a:rPr lang="zh-TW" altLang="en-US"/>
               <a:t>第五層</a:t>
             </a:r>
-            <a:endParaRPr lang="zh-TW" altLang="en-US"/>
           </a:p>
         </p:txBody>
       </p:sp>
@@ -1320,7 +1325,7 @@
           <a:p>
             <a:fld id="{5BBEAD13-0566-4C6C-97E7-55F17F24B09F}" type="datetimeFigureOut">
               <a:rPr lang="zh-TW" altLang="en-US" smtClean="0"/>
-              <a:t>2020/2/16</a:t>
+              <a:t>2020/3/7</a:t>
             </a:fld>
             <a:endParaRPr lang="zh-TW" altLang="en-US"/>
           </a:p>
@@ -1413,10 +1418,9 @@
           </a:lstStyle>
           <a:p>
             <a:r>
-              <a:rPr lang="zh-TW" altLang="en-US" smtClean="0"/>
+              <a:rPr lang="zh-TW" altLang="en-US"/>
               <a:t>按一下以編輯母片標題樣式</a:t>
             </a:r>
-            <a:endParaRPr lang="zh-TW" altLang="en-US"/>
           </a:p>
         </p:txBody>
       </p:sp>
@@ -1479,7 +1483,7 @@
           <a:p>
             <a:pPr lvl="0"/>
             <a:r>
-              <a:rPr lang="zh-TW" altLang="en-US" smtClean="0"/>
+              <a:rPr lang="zh-TW" altLang="en-US"/>
               <a:t>按一下以編輯母片文字樣式</a:t>
             </a:r>
           </a:p>
@@ -1535,38 +1539,37 @@
           <a:p>
             <a:pPr lvl="0"/>
             <a:r>
-              <a:rPr lang="zh-TW" altLang="en-US" smtClean="0"/>
+              <a:rPr lang="zh-TW" altLang="en-US"/>
               <a:t>按一下以編輯母片文字樣式</a:t>
             </a:r>
           </a:p>
           <a:p>
             <a:pPr lvl="1"/>
             <a:r>
-              <a:rPr lang="zh-TW" altLang="en-US" smtClean="0"/>
+              <a:rPr lang="zh-TW" altLang="en-US"/>
               <a:t>第二層</a:t>
             </a:r>
           </a:p>
           <a:p>
             <a:pPr lvl="2"/>
             <a:r>
-              <a:rPr lang="zh-TW" altLang="en-US" smtClean="0"/>
+              <a:rPr lang="zh-TW" altLang="en-US"/>
               <a:t>第三層</a:t>
             </a:r>
           </a:p>
           <a:p>
             <a:pPr lvl="3"/>
             <a:r>
-              <a:rPr lang="zh-TW" altLang="en-US" smtClean="0"/>
+              <a:rPr lang="zh-TW" altLang="en-US"/>
               <a:t>第四層</a:t>
             </a:r>
           </a:p>
           <a:p>
             <a:pPr lvl="4"/>
             <a:r>
-              <a:rPr lang="zh-TW" altLang="en-US" smtClean="0"/>
+              <a:rPr lang="zh-TW" altLang="en-US"/>
               <a:t>第五層</a:t>
             </a:r>
-            <a:endParaRPr lang="zh-TW" altLang="en-US"/>
           </a:p>
         </p:txBody>
       </p:sp>
@@ -1629,7 +1632,7 @@
           <a:p>
             <a:pPr lvl="0"/>
             <a:r>
-              <a:rPr lang="zh-TW" altLang="en-US" smtClean="0"/>
+              <a:rPr lang="zh-TW" altLang="en-US"/>
               <a:t>按一下以編輯母片文字樣式</a:t>
             </a:r>
           </a:p>
@@ -1685,38 +1688,37 @@
           <a:p>
             <a:pPr lvl="0"/>
             <a:r>
-              <a:rPr lang="zh-TW" altLang="en-US" smtClean="0"/>
+              <a:rPr lang="zh-TW" altLang="en-US"/>
               <a:t>按一下以編輯母片文字樣式</a:t>
             </a:r>
           </a:p>
           <a:p>
             <a:pPr lvl="1"/>
             <a:r>
-              <a:rPr lang="zh-TW" altLang="en-US" smtClean="0"/>
+              <a:rPr lang="zh-TW" altLang="en-US"/>
               <a:t>第二層</a:t>
             </a:r>
           </a:p>
           <a:p>
             <a:pPr lvl="2"/>
             <a:r>
-              <a:rPr lang="zh-TW" altLang="en-US" smtClean="0"/>
+              <a:rPr lang="zh-TW" altLang="en-US"/>
               <a:t>第三層</a:t>
             </a:r>
           </a:p>
           <a:p>
             <a:pPr lvl="3"/>
             <a:r>
-              <a:rPr lang="zh-TW" altLang="en-US" smtClean="0"/>
+              <a:rPr lang="zh-TW" altLang="en-US"/>
               <a:t>第四層</a:t>
             </a:r>
           </a:p>
           <a:p>
             <a:pPr lvl="4"/>
             <a:r>
-              <a:rPr lang="zh-TW" altLang="en-US" smtClean="0"/>
+              <a:rPr lang="zh-TW" altLang="en-US"/>
               <a:t>第五層</a:t>
             </a:r>
-            <a:endParaRPr lang="zh-TW" altLang="en-US"/>
           </a:p>
         </p:txBody>
       </p:sp>
@@ -1737,7 +1739,7 @@
           <a:p>
             <a:fld id="{5BBEAD13-0566-4C6C-97E7-55F17F24B09F}" type="datetimeFigureOut">
               <a:rPr lang="zh-TW" altLang="en-US" smtClean="0"/>
-              <a:t>2020/2/16</a:t>
+              <a:t>2020/3/7</a:t>
             </a:fld>
             <a:endParaRPr lang="zh-TW" altLang="en-US"/>
           </a:p>
@@ -1826,10 +1828,9 @@
           <a:lstStyle/>
           <a:p>
             <a:r>
-              <a:rPr lang="zh-TW" altLang="en-US" smtClean="0"/>
+              <a:rPr lang="zh-TW" altLang="en-US"/>
               <a:t>按一下以編輯母片標題樣式</a:t>
             </a:r>
-            <a:endParaRPr lang="zh-TW" altLang="en-US"/>
           </a:p>
         </p:txBody>
       </p:sp>
@@ -1850,7 +1851,7 @@
           <a:p>
             <a:fld id="{5BBEAD13-0566-4C6C-97E7-55F17F24B09F}" type="datetimeFigureOut">
               <a:rPr lang="zh-TW" altLang="en-US" smtClean="0"/>
-              <a:t>2020/2/16</a:t>
+              <a:t>2020/3/7</a:t>
             </a:fld>
             <a:endParaRPr lang="zh-TW" altLang="en-US"/>
           </a:p>
@@ -1940,7 +1941,7 @@
           <a:p>
             <a:fld id="{5BBEAD13-0566-4C6C-97E7-55F17F24B09F}" type="datetimeFigureOut">
               <a:rPr lang="zh-TW" altLang="en-US" smtClean="0"/>
-              <a:t>2020/2/16</a:t>
+              <a:t>2020/3/7</a:t>
             </a:fld>
             <a:endParaRPr lang="zh-TW" altLang="en-US"/>
           </a:p>
@@ -2038,10 +2039,9 @@
           </a:lstStyle>
           <a:p>
             <a:r>
-              <a:rPr lang="zh-TW" altLang="en-US" smtClean="0"/>
+              <a:rPr lang="zh-TW" altLang="en-US"/>
               <a:t>按一下以編輯母片標題樣式</a:t>
             </a:r>
-            <a:endParaRPr lang="zh-TW" altLang="en-US"/>
           </a:p>
         </p:txBody>
       </p:sp>
@@ -2095,38 +2095,37 @@
           <a:p>
             <a:pPr lvl="0"/>
             <a:r>
-              <a:rPr lang="zh-TW" altLang="en-US" smtClean="0"/>
+              <a:rPr lang="zh-TW" altLang="en-US"/>
               <a:t>按一下以編輯母片文字樣式</a:t>
             </a:r>
           </a:p>
           <a:p>
             <a:pPr lvl="1"/>
             <a:r>
-              <a:rPr lang="zh-TW" altLang="en-US" smtClean="0"/>
+              <a:rPr lang="zh-TW" altLang="en-US"/>
               <a:t>第二層</a:t>
             </a:r>
           </a:p>
           <a:p>
             <a:pPr lvl="2"/>
             <a:r>
-              <a:rPr lang="zh-TW" altLang="en-US" smtClean="0"/>
+              <a:rPr lang="zh-TW" altLang="en-US"/>
               <a:t>第三層</a:t>
             </a:r>
           </a:p>
           <a:p>
             <a:pPr lvl="3"/>
             <a:r>
-              <a:rPr lang="zh-TW" altLang="en-US" smtClean="0"/>
+              <a:rPr lang="zh-TW" altLang="en-US"/>
               <a:t>第四層</a:t>
             </a:r>
           </a:p>
           <a:p>
             <a:pPr lvl="4"/>
             <a:r>
-              <a:rPr lang="zh-TW" altLang="en-US" smtClean="0"/>
+              <a:rPr lang="zh-TW" altLang="en-US"/>
               <a:t>第五層</a:t>
             </a:r>
-            <a:endParaRPr lang="zh-TW" altLang="en-US"/>
           </a:p>
         </p:txBody>
       </p:sp>
@@ -2189,7 +2188,7 @@
           <a:p>
             <a:pPr lvl="0"/>
             <a:r>
-              <a:rPr lang="zh-TW" altLang="en-US" smtClean="0"/>
+              <a:rPr lang="zh-TW" altLang="en-US"/>
               <a:t>按一下以編輯母片文字樣式</a:t>
             </a:r>
           </a:p>
@@ -2212,7 +2211,7 @@
           <a:p>
             <a:fld id="{5BBEAD13-0566-4C6C-97E7-55F17F24B09F}" type="datetimeFigureOut">
               <a:rPr lang="zh-TW" altLang="en-US" smtClean="0"/>
-              <a:t>2020/2/16</a:t>
+              <a:t>2020/3/7</a:t>
             </a:fld>
             <a:endParaRPr lang="zh-TW" altLang="en-US"/>
           </a:p>
@@ -2310,10 +2309,9 @@
           </a:lstStyle>
           <a:p>
             <a:r>
-              <a:rPr lang="zh-TW" altLang="en-US" smtClean="0"/>
+              <a:rPr lang="zh-TW" altLang="en-US"/>
               <a:t>按一下以編輯母片標題樣式</a:t>
             </a:r>
-            <a:endParaRPr lang="zh-TW" altLang="en-US"/>
           </a:p>
         </p:txBody>
       </p:sp>
@@ -2437,7 +2435,7 @@
           <a:p>
             <a:pPr lvl="0"/>
             <a:r>
-              <a:rPr lang="zh-TW" altLang="en-US" smtClean="0"/>
+              <a:rPr lang="zh-TW" altLang="en-US"/>
               <a:t>按一下以編輯母片文字樣式</a:t>
             </a:r>
           </a:p>
@@ -2460,7 +2458,7 @@
           <a:p>
             <a:fld id="{5BBEAD13-0566-4C6C-97E7-55F17F24B09F}" type="datetimeFigureOut">
               <a:rPr lang="zh-TW" altLang="en-US" smtClean="0"/>
-              <a:t>2020/2/16</a:t>
+              <a:t>2020/3/7</a:t>
             </a:fld>
             <a:endParaRPr lang="zh-TW" altLang="en-US"/>
           </a:p>
@@ -2564,10 +2562,9 @@
           <a:lstStyle/>
           <a:p>
             <a:r>
-              <a:rPr lang="zh-TW" altLang="en-US" smtClean="0"/>
+              <a:rPr lang="zh-TW" altLang="en-US"/>
               <a:t>按一下以編輯母片標題樣式</a:t>
             </a:r>
-            <a:endParaRPr lang="zh-TW" altLang="en-US"/>
           </a:p>
         </p:txBody>
       </p:sp>
@@ -2598,38 +2595,37 @@
           <a:p>
             <a:pPr lvl="0"/>
             <a:r>
-              <a:rPr lang="zh-TW" altLang="en-US" smtClean="0"/>
+              <a:rPr lang="zh-TW" altLang="en-US"/>
               <a:t>按一下以編輯母片文字樣式</a:t>
             </a:r>
           </a:p>
           <a:p>
             <a:pPr lvl="1"/>
             <a:r>
-              <a:rPr lang="zh-TW" altLang="en-US" smtClean="0"/>
+              <a:rPr lang="zh-TW" altLang="en-US"/>
               <a:t>第二層</a:t>
             </a:r>
           </a:p>
           <a:p>
             <a:pPr lvl="2"/>
             <a:r>
-              <a:rPr lang="zh-TW" altLang="en-US" smtClean="0"/>
+              <a:rPr lang="zh-TW" altLang="en-US"/>
               <a:t>第三層</a:t>
             </a:r>
           </a:p>
           <a:p>
             <a:pPr lvl="3"/>
             <a:r>
-              <a:rPr lang="zh-TW" altLang="en-US" smtClean="0"/>
+              <a:rPr lang="zh-TW" altLang="en-US"/>
               <a:t>第四層</a:t>
             </a:r>
           </a:p>
           <a:p>
             <a:pPr lvl="4"/>
             <a:r>
-              <a:rPr lang="zh-TW" altLang="en-US" smtClean="0"/>
+              <a:rPr lang="zh-TW" altLang="en-US"/>
               <a:t>第五層</a:t>
             </a:r>
-            <a:endParaRPr lang="zh-TW" altLang="en-US"/>
           </a:p>
         </p:txBody>
       </p:sp>
@@ -2668,7 +2664,7 @@
           <a:p>
             <a:fld id="{5BBEAD13-0566-4C6C-97E7-55F17F24B09F}" type="datetimeFigureOut">
               <a:rPr lang="zh-TW" altLang="en-US" smtClean="0"/>
-              <a:t>2020/2/16</a:t>
+              <a:t>2020/3/7</a:t>
             </a:fld>
             <a:endParaRPr lang="zh-TW" altLang="en-US"/>
           </a:p>
@@ -3073,11 +3069,11 @@
           <a:p>
             <a:pPr algn="ctr"/>
             <a:r>
-              <a:rPr lang="en-US" altLang="zh-TW" dirty="0" smtClean="0"/>
+              <a:rPr lang="en-US" altLang="zh-TW" dirty="0"/>
               <a:t>PS </a:t>
             </a:r>
             <a:r>
-              <a:rPr lang="en-US" altLang="zh-TW" sz="1000" dirty="0" smtClean="0"/>
+              <a:rPr lang="en-US" altLang="zh-TW" sz="1000" dirty="0"/>
               <a:t>WAIT,COMPUTE,FINISH</a:t>
             </a:r>
             <a:endParaRPr lang="zh-TW" altLang="en-US" sz="1000" dirty="0"/>
@@ -3119,7 +3115,7 @@
           <a:p>
             <a:pPr algn="ctr"/>
             <a:r>
-              <a:rPr lang="en-US" altLang="zh-TW" dirty="0" smtClean="0"/>
+              <a:rPr lang="en-US" altLang="zh-TW" dirty="0"/>
               <a:t>w</a:t>
             </a:r>
             <a:endParaRPr lang="zh-TW" altLang="en-US" dirty="0"/>
@@ -3134,8 +3130,8 @@
         </p:nvSpPr>
         <p:spPr>
           <a:xfrm>
-            <a:off x="1763688" y="1850956"/>
-            <a:ext cx="1440160" cy="569932"/>
+            <a:off x="1763688" y="1874472"/>
+            <a:ext cx="1440160" cy="479053"/>
           </a:xfrm>
           <a:prstGeom prst="roundRect">
             <a:avLst/>
@@ -3161,7 +3157,7 @@
           <a:p>
             <a:pPr algn="ctr"/>
             <a:r>
-              <a:rPr lang="en-US" altLang="zh-TW" dirty="0" err="1" smtClean="0"/>
+              <a:rPr lang="en-US" altLang="zh-TW" dirty="0" err="1"/>
               <a:t>rega~regh</a:t>
             </a:r>
             <a:endParaRPr lang="zh-TW" altLang="en-US" dirty="0"/>
@@ -3176,8 +3172,8 @@
         </p:nvSpPr>
         <p:spPr>
           <a:xfrm>
-            <a:off x="1763688" y="1346900"/>
-            <a:ext cx="1440160" cy="425916"/>
+            <a:off x="1763688" y="1399766"/>
+            <a:ext cx="1440160" cy="373049"/>
           </a:xfrm>
           <a:prstGeom prst="roundRect">
             <a:avLst/>
@@ -3203,8 +3199,8 @@
           <a:p>
             <a:pPr algn="ctr"/>
             <a:r>
-              <a:rPr lang="en-US" altLang="zh-TW" dirty="0" smtClean="0"/>
-              <a:t>round</a:t>
+              <a:rPr lang="en-US" altLang="zh-TW" dirty="0"/>
+              <a:t>round_dff1</a:t>
             </a:r>
             <a:endParaRPr lang="zh-TW" altLang="en-US" dirty="0"/>
           </a:p>
@@ -3355,7 +3351,7 @@
           <a:lstStyle/>
           <a:p>
             <a:r>
-              <a:rPr lang="en-US" altLang="zh-TW" dirty="0" smtClean="0"/>
+              <a:rPr lang="en-US" altLang="zh-TW" dirty="0"/>
               <a:t>ctrl</a:t>
             </a:r>
             <a:endParaRPr lang="zh-TW" altLang="en-US" dirty="0"/>
@@ -3385,7 +3381,7 @@
           <a:lstStyle/>
           <a:p>
             <a:r>
-              <a:rPr lang="en-US" altLang="zh-TW" dirty="0" smtClean="0"/>
+              <a:rPr lang="en-US" altLang="zh-TW" dirty="0"/>
               <a:t>stride</a:t>
             </a:r>
             <a:endParaRPr lang="zh-TW" altLang="en-US" dirty="0"/>
@@ -3395,13 +3391,15 @@
       <p:cxnSp>
         <p:nvCxnSpPr>
           <p:cNvPr id="13" name="直線接點 12"/>
-          <p:cNvCxnSpPr/>
+          <p:cNvCxnSpPr>
+            <a:cxnSpLocks/>
+          </p:cNvCxnSpPr>
           <p:nvPr/>
         </p:nvCxnSpPr>
         <p:spPr>
-          <a:xfrm flipV="1">
-            <a:off x="912888" y="2538192"/>
-            <a:ext cx="2434976" cy="5896"/>
+          <a:xfrm>
+            <a:off x="912888" y="2544088"/>
+            <a:ext cx="5377360" cy="44570"/>
           </a:xfrm>
           <a:prstGeom prst="line">
             <a:avLst/>
@@ -3445,7 +3443,7 @@
           <a:lstStyle/>
           <a:p>
             <a:r>
-              <a:rPr lang="en-US" altLang="zh-TW" dirty="0" err="1" smtClean="0"/>
+              <a:rPr lang="en-US" altLang="zh-TW" dirty="0" err="1"/>
               <a:t>wround</a:t>
             </a:r>
             <a:endParaRPr lang="zh-TW" altLang="en-US" dirty="0"/>
@@ -3475,7 +3473,7 @@
           <a:lstStyle/>
           <a:p>
             <a:r>
-              <a:rPr lang="en-US" altLang="zh-TW" sz="1400" dirty="0" err="1" smtClean="0"/>
+              <a:rPr lang="en-US" altLang="zh-TW" sz="1400" dirty="0" err="1"/>
               <a:t>i_data</a:t>
             </a:r>
             <a:endParaRPr lang="zh-TW" altLang="en-US" sz="1400" dirty="0"/>
@@ -3565,7 +3563,7 @@
           <a:lstStyle/>
           <a:p>
             <a:r>
-              <a:rPr lang="en-US" altLang="zh-TW" dirty="0" err="1" smtClean="0"/>
+              <a:rPr lang="en-US" altLang="zh-TW" dirty="0" err="1"/>
               <a:t>wsize</a:t>
             </a:r>
             <a:endParaRPr lang="zh-TW" altLang="en-US" dirty="0"/>
@@ -3595,7 +3593,7 @@
           <a:lstStyle/>
           <a:p>
             <a:r>
-              <a:rPr lang="en-US" altLang="zh-TW" dirty="0" err="1" smtClean="0"/>
+              <a:rPr lang="en-US" altLang="zh-TW" dirty="0" err="1"/>
               <a:t>wgroup</a:t>
             </a:r>
             <a:endParaRPr lang="zh-TW" altLang="en-US" dirty="0"/>
@@ -3625,7 +3623,7 @@
           <a:lstStyle/>
           <a:p>
             <a:r>
-              <a:rPr lang="en-US" altLang="zh-TW" dirty="0" err="1" smtClean="0"/>
+              <a:rPr lang="en-US" altLang="zh-TW" dirty="0" err="1"/>
               <a:t>w_data</a:t>
             </a:r>
             <a:endParaRPr lang="zh-TW" altLang="en-US" dirty="0"/>
@@ -3667,7 +3665,7 @@
           <a:p>
             <a:pPr algn="ctr"/>
             <a:r>
-              <a:rPr lang="en-US" altLang="zh-TW" sz="1400" dirty="0" err="1" smtClean="0"/>
+              <a:rPr lang="en-US" altLang="zh-TW" sz="1400" dirty="0" err="1"/>
               <a:t>w_format_tmp</a:t>
             </a:r>
             <a:endParaRPr lang="zh-TW" altLang="en-US" sz="1400" dirty="0"/>
@@ -3709,7 +3707,7 @@
           <a:p>
             <a:pPr algn="ctr"/>
             <a:r>
-              <a:rPr lang="en-US" altLang="zh-TW" sz="1600" dirty="0" err="1" smtClean="0"/>
+              <a:rPr lang="en-US" altLang="zh-TW" sz="1600" dirty="0" err="1"/>
               <a:t>i_format_tmp</a:t>
             </a:r>
             <a:endParaRPr lang="zh-TW" altLang="en-US" sz="1600" dirty="0"/>
@@ -3801,7 +3799,7 @@
           <a:lstStyle/>
           <a:p>
             <a:r>
-              <a:rPr lang="en-US" altLang="zh-TW" dirty="0" err="1" smtClean="0"/>
+              <a:rPr lang="en-US" altLang="zh-TW" dirty="0" err="1"/>
               <a:t>i_format</a:t>
             </a:r>
             <a:endParaRPr lang="zh-TW" altLang="en-US" dirty="0"/>
@@ -3831,50 +3829,8 @@
           <a:lstStyle/>
           <a:p>
             <a:r>
-              <a:rPr lang="en-US" altLang="zh-TW" dirty="0" err="1" smtClean="0"/>
+              <a:rPr lang="en-US" altLang="zh-TW" dirty="0" err="1"/>
               <a:t>w_format</a:t>
-            </a:r>
-            <a:endParaRPr lang="zh-TW" altLang="en-US" dirty="0"/>
-          </a:p>
-        </p:txBody>
-      </p:sp>
-      <p:sp>
-        <p:nvSpPr>
-          <p:cNvPr id="33" name="圓角矩形 32"/>
-          <p:cNvSpPr/>
-          <p:nvPr/>
-        </p:nvSpPr>
-        <p:spPr>
-          <a:xfrm>
-            <a:off x="1784944" y="2636912"/>
-            <a:ext cx="1440160" cy="504056"/>
-          </a:xfrm>
-          <a:prstGeom prst="roundRect">
-            <a:avLst/>
-          </a:prstGeom>
-        </p:spPr>
-        <p:style>
-          <a:lnRef idx="2">
-            <a:schemeClr val="accent6"/>
-          </a:lnRef>
-          <a:fillRef idx="1">
-            <a:schemeClr val="lt1"/>
-          </a:fillRef>
-          <a:effectRef idx="0">
-            <a:schemeClr val="accent6"/>
-          </a:effectRef>
-          <a:fontRef idx="minor">
-            <a:schemeClr val="dk1"/>
-          </a:fontRef>
-        </p:style>
-        <p:txBody>
-          <a:bodyPr rtlCol="0" anchor="ctr"/>
-          <a:lstStyle/>
-          <a:p>
-            <a:pPr algn="ctr"/>
-            <a:r>
-              <a:rPr lang="en-US" altLang="zh-TW" dirty="0" err="1" smtClean="0"/>
-              <a:t>wgroup_dff</a:t>
             </a:r>
             <a:endParaRPr lang="zh-TW" altLang="en-US" dirty="0"/>
           </a:p>
@@ -3945,7 +3901,7 @@
           <a:p>
             <a:pPr algn="ctr"/>
             <a:r>
-              <a:rPr lang="en-US" altLang="zh-TW" sz="1400" dirty="0" err="1" smtClean="0"/>
+              <a:rPr lang="en-US" altLang="zh-TW" sz="1400" dirty="0" err="1"/>
               <a:t>res_valid_tmp</a:t>
             </a:r>
             <a:endParaRPr lang="zh-TW" altLang="en-US" sz="1400" dirty="0"/>
@@ -4017,7 +3973,7 @@
           <a:p>
             <a:pPr algn="ctr"/>
             <a:r>
-              <a:rPr lang="en-US" altLang="zh-TW" sz="1400" dirty="0" smtClean="0"/>
+              <a:rPr lang="en-US" altLang="zh-TW" sz="1400" dirty="0"/>
               <a:t>res_valid_tmp1</a:t>
             </a:r>
             <a:endParaRPr lang="zh-TW" altLang="en-US" sz="1400" dirty="0"/>
@@ -4089,7 +4045,7 @@
           <a:p>
             <a:pPr algn="ctr"/>
             <a:r>
-              <a:rPr lang="en-US" altLang="zh-TW" sz="1400" dirty="0" err="1" smtClean="0"/>
+              <a:rPr lang="en-US" altLang="zh-TW" sz="1400" dirty="0" err="1"/>
               <a:t>res_valid</a:t>
             </a:r>
             <a:endParaRPr lang="zh-TW" altLang="en-US" sz="1400" dirty="0"/>
@@ -4167,7 +4123,7 @@
         <p:spPr>
           <a:xfrm>
             <a:off x="3748682" y="1894240"/>
-            <a:ext cx="1440160" cy="504056"/>
+            <a:ext cx="1440160" cy="400031"/>
           </a:xfrm>
           <a:prstGeom prst="roundRect">
             <a:avLst/>
@@ -4193,7 +4149,7 @@
           <a:p>
             <a:pPr algn="ctr"/>
             <a:r>
-              <a:rPr lang="en-US" altLang="zh-TW" sz="1400" dirty="0" smtClean="0"/>
+              <a:rPr lang="en-US" altLang="zh-TW" sz="1400" dirty="0"/>
               <a:t>Icu0~icu8</a:t>
             </a:r>
             <a:endParaRPr lang="zh-TW" altLang="en-US" sz="1400" dirty="0"/>
@@ -4203,13 +4159,15 @@
       <p:cxnSp>
         <p:nvCxnSpPr>
           <p:cNvPr id="48" name="直線接點 47"/>
-          <p:cNvCxnSpPr/>
+          <p:cNvCxnSpPr>
+            <a:cxnSpLocks/>
+          </p:cNvCxnSpPr>
           <p:nvPr/>
         </p:nvCxnSpPr>
         <p:spPr>
           <a:xfrm>
-            <a:off x="3347864" y="2204864"/>
-            <a:ext cx="0" cy="339224"/>
+            <a:off x="4355976" y="2382050"/>
+            <a:ext cx="0" cy="184323"/>
           </a:xfrm>
           <a:prstGeom prst="line">
             <a:avLst/>
@@ -4234,7 +4192,7 @@
         <p:nvCxnSpPr>
           <p:cNvPr id="50" name="直線接點 49"/>
           <p:cNvCxnSpPr>
-            <a:stCxn id="33" idx="3"/>
+            <a:cxnSpLocks/>
           </p:cNvCxnSpPr>
           <p:nvPr/>
         </p:nvCxnSpPr>
@@ -4330,7 +4288,7 @@
         </p:nvSpPr>
         <p:spPr>
           <a:xfrm>
-            <a:off x="5580112" y="1931028"/>
+            <a:off x="5498526" y="1906305"/>
             <a:ext cx="648072" cy="504056"/>
           </a:xfrm>
           <a:prstGeom prst="roundRect">
@@ -4357,7 +4315,7 @@
           <a:p>
             <a:pPr algn="ctr"/>
             <a:r>
-              <a:rPr lang="en-US" altLang="zh-TW" sz="1400" dirty="0" err="1" smtClean="0"/>
+              <a:rPr lang="en-US" altLang="zh-TW" sz="1400" dirty="0" err="1"/>
               <a:t>i</a:t>
             </a:r>
             <a:endParaRPr lang="zh-TW" altLang="en-US" sz="1400" dirty="0"/>
@@ -4372,7 +4330,7 @@
         </p:nvCxnSpPr>
         <p:spPr>
           <a:xfrm>
-            <a:off x="6228184" y="2204864"/>
+            <a:off x="6120172" y="2204864"/>
             <a:ext cx="648072" cy="0"/>
           </a:xfrm>
           <a:prstGeom prst="line">
@@ -4429,7 +4387,7 @@
           <a:p>
             <a:pPr algn="ctr"/>
             <a:r>
-              <a:rPr lang="en-US" altLang="zh-TW" sz="1400" dirty="0" err="1" smtClean="0"/>
+              <a:rPr lang="en-US" altLang="zh-TW" sz="1400" dirty="0" err="1"/>
               <a:t>locali</a:t>
             </a:r>
             <a:endParaRPr lang="zh-TW" altLang="en-US" sz="1400" dirty="0"/>
@@ -4474,8 +4432,8 @@
         </p:nvSpPr>
         <p:spPr>
           <a:xfrm>
-            <a:off x="3774970" y="2636912"/>
-            <a:ext cx="1440160" cy="504056"/>
+            <a:off x="1763601" y="2750695"/>
+            <a:ext cx="1440160" cy="369891"/>
           </a:xfrm>
           <a:prstGeom prst="roundRect">
             <a:avLst/>
@@ -4501,7 +4459,7 @@
           <a:p>
             <a:pPr algn="ctr"/>
             <a:r>
-              <a:rPr lang="en-US" altLang="zh-TW" sz="1400" dirty="0" err="1" smtClean="0"/>
+              <a:rPr lang="en-US" altLang="zh-TW" sz="1400" dirty="0" err="1"/>
               <a:t>wgroup_start</a:t>
             </a:r>
             <a:endParaRPr lang="zh-TW" altLang="en-US" sz="1400" dirty="0"/>
@@ -4511,13 +4469,15 @@
       <p:cxnSp>
         <p:nvCxnSpPr>
           <p:cNvPr id="61" name="直線接點 60"/>
-          <p:cNvCxnSpPr/>
+          <p:cNvCxnSpPr>
+            <a:cxnSpLocks/>
+          </p:cNvCxnSpPr>
           <p:nvPr/>
         </p:nvCxnSpPr>
         <p:spPr>
           <a:xfrm>
-            <a:off x="3472190" y="2908124"/>
-            <a:ext cx="302780" cy="0"/>
+            <a:off x="3479952" y="2897394"/>
+            <a:ext cx="1022859" cy="8202"/>
           </a:xfrm>
           <a:prstGeom prst="line">
             <a:avLst/>
@@ -4555,13 +4515,13 @@
         </p:spPr>
         <p:style>
           <a:lnRef idx="2">
-            <a:schemeClr val="accent3"/>
+            <a:schemeClr val="accent6"/>
           </a:lnRef>
           <a:fillRef idx="1">
             <a:schemeClr val="lt1"/>
           </a:fillRef>
           <a:effectRef idx="0">
-            <a:schemeClr val="accent3"/>
+            <a:schemeClr val="accent6"/>
           </a:effectRef>
           <a:fontRef idx="minor">
             <a:schemeClr val="dk1"/>
@@ -4573,7 +4533,7 @@
           <a:p>
             <a:pPr algn="ctr"/>
             <a:r>
-              <a:rPr lang="en-US" altLang="zh-TW" sz="1400" dirty="0" smtClean="0"/>
+              <a:rPr lang="en-US" altLang="zh-TW" sz="1400" dirty="0"/>
               <a:t>wcu0~wcu63</a:t>
             </a:r>
             <a:endParaRPr lang="zh-TW" altLang="en-US" sz="1400" dirty="0"/>
@@ -4584,15 +4544,15 @@
         <p:nvCxnSpPr>
           <p:cNvPr id="63" name="直線接點 62"/>
           <p:cNvCxnSpPr>
+            <a:cxnSpLocks/>
             <a:stCxn id="62" idx="0"/>
-            <a:endCxn id="60" idx="2"/>
           </p:cNvCxnSpPr>
           <p:nvPr/>
         </p:nvCxnSpPr>
         <p:spPr>
-          <a:xfrm flipV="1">
-            <a:off x="4495050" y="3140968"/>
-            <a:ext cx="0" cy="144016"/>
+          <a:xfrm flipH="1" flipV="1">
+            <a:off x="4487882" y="2877022"/>
+            <a:ext cx="7168" cy="407962"/>
           </a:xfrm>
           <a:prstGeom prst="line">
             <a:avLst/>
@@ -4678,7 +4638,7 @@
           <a:p>
             <a:pPr algn="ctr"/>
             <a:r>
-              <a:rPr lang="en-US" altLang="zh-TW" sz="1400" dirty="0" smtClean="0"/>
+              <a:rPr lang="en-US" altLang="zh-TW" sz="1400" dirty="0"/>
               <a:t>w</a:t>
             </a:r>
             <a:endParaRPr lang="zh-TW" altLang="en-US" sz="1400" dirty="0"/>
@@ -4750,7 +4710,7 @@
           <a:p>
             <a:pPr algn="ctr"/>
             <a:r>
-              <a:rPr lang="en-US" altLang="zh-TW" sz="1200" dirty="0" err="1" smtClean="0"/>
+              <a:rPr lang="en-US" altLang="zh-TW" sz="1200" dirty="0" err="1"/>
               <a:t>localw</a:t>
             </a:r>
             <a:endParaRPr lang="zh-TW" altLang="en-US" sz="1200" dirty="0"/>
@@ -4852,10 +4812,10 @@
           <a:p>
             <a:pPr algn="ctr"/>
             <a:r>
-              <a:rPr lang="en-US" altLang="zh-TW" sz="1600" dirty="0" err="1" smtClean="0"/>
-              <a:t>i_format_tmp</a:t>
-            </a:r>
-            <a:endParaRPr lang="zh-TW" altLang="en-US" sz="1600" dirty="0"/>
+              <a:rPr lang="en-US" altLang="zh-TW" sz="1400" dirty="0"/>
+              <a:t>i_format_tmp1</a:t>
+            </a:r>
+            <a:endParaRPr lang="zh-TW" altLang="en-US" sz="1400" dirty="0"/>
           </a:p>
         </p:txBody>
       </p:sp>
@@ -4894,7 +4854,7 @@
           <a:p>
             <a:pPr algn="ctr"/>
             <a:r>
-              <a:rPr lang="en-US" altLang="zh-TW" sz="1400" dirty="0" err="1" smtClean="0"/>
+              <a:rPr lang="en-US" altLang="zh-TW" sz="1400" dirty="0" err="1"/>
               <a:t>w_format_tmp</a:t>
             </a:r>
             <a:endParaRPr lang="zh-TW" altLang="en-US" sz="1400" dirty="0"/>
@@ -4968,7 +4928,7 @@
           <a:p>
             <a:pPr algn="ctr"/>
             <a:r>
-              <a:rPr lang="en-US" altLang="zh-TW" sz="1600" dirty="0" err="1" smtClean="0"/>
+              <a:rPr lang="en-US" altLang="zh-TW" sz="1600" dirty="0" err="1"/>
               <a:t>i_format_dff</a:t>
             </a:r>
             <a:endParaRPr lang="zh-TW" altLang="en-US" sz="1600" dirty="0"/>
@@ -5040,7 +5000,7 @@
           <a:p>
             <a:pPr algn="ctr"/>
             <a:r>
-              <a:rPr lang="en-US" altLang="zh-TW" sz="1600" dirty="0" err="1" smtClean="0"/>
+              <a:rPr lang="en-US" altLang="zh-TW" sz="1600" dirty="0" err="1"/>
               <a:t>w_format_dff</a:t>
             </a:r>
             <a:endParaRPr lang="zh-TW" altLang="en-US" sz="1600" dirty="0"/>
@@ -5082,7 +5042,7 @@
           <a:p>
             <a:pPr algn="ctr"/>
             <a:r>
-              <a:rPr lang="en-US" altLang="zh-TW" sz="1400" dirty="0" smtClean="0"/>
+              <a:rPr lang="en-US" altLang="zh-TW" sz="1400" dirty="0"/>
               <a:t>result</a:t>
             </a:r>
             <a:endParaRPr lang="zh-TW" altLang="en-US" sz="1400" dirty="0"/>
@@ -5362,13 +5322,15 @@
       <p:cxnSp>
         <p:nvCxnSpPr>
           <p:cNvPr id="116" name="直線接點 115"/>
-          <p:cNvCxnSpPr/>
+          <p:cNvCxnSpPr>
+            <a:cxnSpLocks/>
+          </p:cNvCxnSpPr>
           <p:nvPr/>
         </p:nvCxnSpPr>
         <p:spPr>
-          <a:xfrm>
-            <a:off x="6300192" y="1237402"/>
-            <a:ext cx="0" cy="968948"/>
+          <a:xfrm flipH="1">
+            <a:off x="6261184" y="1237402"/>
+            <a:ext cx="39008" cy="1379129"/>
           </a:xfrm>
           <a:prstGeom prst="line">
             <a:avLst/>
@@ -5397,8 +5359,8 @@
         </p:nvSpPr>
         <p:spPr>
           <a:xfrm>
-            <a:off x="5390802" y="1427248"/>
-            <a:ext cx="3555430" cy="3657936"/>
+            <a:off x="5390802" y="1304764"/>
+            <a:ext cx="3555430" cy="3780420"/>
           </a:xfrm>
           <a:prstGeom prst="rect">
             <a:avLst/>
@@ -5451,7 +5413,7 @@
           <a:lstStyle/>
           <a:p>
             <a:r>
-              <a:rPr lang="en-US" altLang="zh-TW" dirty="0" smtClean="0">
+              <a:rPr lang="en-US" altLang="zh-TW" dirty="0">
                 <a:solidFill>
                   <a:srgbClr val="00B050"/>
                 </a:solidFill>
@@ -5489,7 +5451,7 @@
           <a:lstStyle/>
           <a:p>
             <a:r>
-              <a:rPr lang="en-US" altLang="zh-TW" dirty="0" smtClean="0">
+              <a:rPr lang="en-US" altLang="zh-TW" dirty="0">
                 <a:solidFill>
                   <a:srgbClr val="00B050"/>
                 </a:solidFill>
@@ -5527,7 +5489,7 @@
           <a:lstStyle/>
           <a:p>
             <a:r>
-              <a:rPr lang="en-US" altLang="zh-TW" dirty="0" smtClean="0">
+              <a:rPr lang="en-US" altLang="zh-TW" dirty="0">
                 <a:solidFill>
                   <a:srgbClr val="00B050"/>
                 </a:solidFill>
@@ -5565,7 +5527,7 @@
           <a:lstStyle/>
           <a:p>
             <a:r>
-              <a:rPr lang="en-US" altLang="zh-TW" dirty="0" smtClean="0">
+              <a:rPr lang="en-US" altLang="zh-TW" dirty="0">
                 <a:solidFill>
                   <a:srgbClr val="00B050"/>
                 </a:solidFill>
@@ -5603,7 +5565,7 @@
           <a:lstStyle/>
           <a:p>
             <a:r>
-              <a:rPr lang="en-US" altLang="zh-TW" dirty="0" smtClean="0">
+              <a:rPr lang="en-US" altLang="zh-TW" dirty="0">
                 <a:solidFill>
                   <a:schemeClr val="tx2">
                     <a:lumMod val="75000"/>
@@ -5645,7 +5607,7 @@
           <a:lstStyle/>
           <a:p>
             <a:r>
-              <a:rPr lang="en-US" altLang="zh-TW" sz="1400" dirty="0" err="1" smtClean="0"/>
+              <a:rPr lang="en-US" altLang="zh-TW" sz="1400" dirty="0" err="1"/>
               <a:t>RLPadding</a:t>
             </a:r>
             <a:endParaRPr lang="zh-TW" altLang="en-US" sz="1400" dirty="0"/>
@@ -5675,7 +5637,7 @@
           <a:lstStyle/>
           <a:p>
             <a:r>
-              <a:rPr lang="en-US" altLang="zh-TW" sz="1400" dirty="0" err="1" smtClean="0"/>
+              <a:rPr lang="en-US" altLang="zh-TW" sz="1400" dirty="0" err="1"/>
               <a:t>i_valid</a:t>
             </a:r>
             <a:endParaRPr lang="zh-TW" altLang="en-US" sz="1400" dirty="0"/>
@@ -5797,13 +5759,435 @@
           <a:lstStyle/>
           <a:p>
             <a:r>
-              <a:rPr lang="en-US" altLang="zh-TW" dirty="0" err="1" smtClean="0"/>
+              <a:rPr lang="en-US" altLang="zh-TW" dirty="0" err="1"/>
               <a:t>w_valid</a:t>
             </a:r>
             <a:endParaRPr lang="zh-TW" altLang="en-US" dirty="0"/>
           </a:p>
         </p:txBody>
       </p:sp>
+      <p:sp>
+        <p:nvSpPr>
+          <p:cNvPr id="6" name="矩形: 圓角 5">
+            <a:extLst>
+              <a:ext uri="{FF2B5EF4-FFF2-40B4-BE49-F238E27FC236}">
+                <a16:creationId xmlns:a16="http://schemas.microsoft.com/office/drawing/2014/main" id="{F10F6D2C-1FBC-493F-A8E0-8A2DFEB07143}"/>
+              </a:ext>
+            </a:extLst>
+          </p:cNvPr>
+          <p:cNvSpPr/>
+          <p:nvPr/>
+        </p:nvSpPr>
+        <p:spPr>
+          <a:xfrm>
+            <a:off x="3726085" y="1428250"/>
+            <a:ext cx="1462757" cy="322297"/>
+          </a:xfrm>
+          <a:prstGeom prst="roundRect">
+            <a:avLst/>
+          </a:prstGeom>
+        </p:spPr>
+        <p:style>
+          <a:lnRef idx="2">
+            <a:schemeClr val="accent6"/>
+          </a:lnRef>
+          <a:fillRef idx="1">
+            <a:schemeClr val="lt1"/>
+          </a:fillRef>
+          <a:effectRef idx="0">
+            <a:schemeClr val="accent6"/>
+          </a:effectRef>
+          <a:fontRef idx="minor">
+            <a:schemeClr val="dk1"/>
+          </a:fontRef>
+        </p:style>
+        <p:txBody>
+          <a:bodyPr rtlCol="0" anchor="ctr"/>
+          <a:lstStyle/>
+          <a:p>
+            <a:pPr algn="ctr"/>
+            <a:r>
+              <a:rPr lang="en-US" altLang="zh-TW" dirty="0"/>
+              <a:t>round_dff2</a:t>
+            </a:r>
+            <a:endParaRPr lang="zh-TW" altLang="en-US" dirty="0"/>
+          </a:p>
+        </p:txBody>
+      </p:sp>
+      <p:sp>
+        <p:nvSpPr>
+          <p:cNvPr id="94" name="矩形: 圓角 93">
+            <a:extLst>
+              <a:ext uri="{FF2B5EF4-FFF2-40B4-BE49-F238E27FC236}">
+                <a16:creationId xmlns:a16="http://schemas.microsoft.com/office/drawing/2014/main" id="{C9F4F175-DB46-4A72-ABC1-D1D1EDBEEF78}"/>
+              </a:ext>
+            </a:extLst>
+          </p:cNvPr>
+          <p:cNvSpPr/>
+          <p:nvPr/>
+        </p:nvSpPr>
+        <p:spPr>
+          <a:xfrm>
+            <a:off x="5471429" y="1528659"/>
+            <a:ext cx="705969" cy="322297"/>
+          </a:xfrm>
+          <a:prstGeom prst="roundRect">
+            <a:avLst/>
+          </a:prstGeom>
+        </p:spPr>
+        <p:style>
+          <a:lnRef idx="2">
+            <a:schemeClr val="accent6"/>
+          </a:lnRef>
+          <a:fillRef idx="1">
+            <a:schemeClr val="lt1"/>
+          </a:fillRef>
+          <a:effectRef idx="0">
+            <a:schemeClr val="accent6"/>
+          </a:effectRef>
+          <a:fontRef idx="minor">
+            <a:schemeClr val="dk1"/>
+          </a:fontRef>
+        </p:style>
+        <p:txBody>
+          <a:bodyPr rtlCol="0" anchor="ctr"/>
+          <a:lstStyle/>
+          <a:p>
+            <a:pPr algn="ctr"/>
+            <a:r>
+              <a:rPr lang="en-US" altLang="zh-TW" sz="900" dirty="0" err="1"/>
+              <a:t>round_dff</a:t>
+            </a:r>
+            <a:endParaRPr lang="zh-TW" altLang="en-US" sz="900" dirty="0"/>
+          </a:p>
+        </p:txBody>
+      </p:sp>
+      <p:sp>
+        <p:nvSpPr>
+          <p:cNvPr id="96" name="圓角矩形 4">
+            <a:extLst>
+              <a:ext uri="{FF2B5EF4-FFF2-40B4-BE49-F238E27FC236}">
+                <a16:creationId xmlns:a16="http://schemas.microsoft.com/office/drawing/2014/main" id="{4A9C0801-55C7-489E-84C9-7C1157E93275}"/>
+              </a:ext>
+            </a:extLst>
+          </p:cNvPr>
+          <p:cNvSpPr/>
+          <p:nvPr/>
+        </p:nvSpPr>
+        <p:spPr>
+          <a:xfrm>
+            <a:off x="1738391" y="1090152"/>
+            <a:ext cx="1440160" cy="252196"/>
+          </a:xfrm>
+          <a:prstGeom prst="roundRect">
+            <a:avLst/>
+          </a:prstGeom>
+        </p:spPr>
+        <p:style>
+          <a:lnRef idx="2">
+            <a:schemeClr val="accent6"/>
+          </a:lnRef>
+          <a:fillRef idx="1">
+            <a:schemeClr val="lt1"/>
+          </a:fillRef>
+          <a:effectRef idx="0">
+            <a:schemeClr val="accent6"/>
+          </a:effectRef>
+          <a:fontRef idx="minor">
+            <a:schemeClr val="dk1"/>
+          </a:fontRef>
+        </p:style>
+        <p:txBody>
+          <a:bodyPr rtlCol="0" anchor="ctr"/>
+          <a:lstStyle/>
+          <a:p>
+            <a:pPr algn="ctr"/>
+            <a:r>
+              <a:rPr lang="en-US" altLang="zh-TW" sz="1400" dirty="0"/>
+              <a:t>stride_dff1</a:t>
+            </a:r>
+            <a:endParaRPr lang="zh-TW" altLang="en-US" sz="1400" dirty="0"/>
+          </a:p>
+        </p:txBody>
+      </p:sp>
+      <p:sp>
+        <p:nvSpPr>
+          <p:cNvPr id="97" name="圓角矩形 4">
+            <a:extLst>
+              <a:ext uri="{FF2B5EF4-FFF2-40B4-BE49-F238E27FC236}">
+                <a16:creationId xmlns:a16="http://schemas.microsoft.com/office/drawing/2014/main" id="{3DF48EEA-FAA9-42B1-AF19-E1A06DC496CE}"/>
+              </a:ext>
+            </a:extLst>
+          </p:cNvPr>
+          <p:cNvSpPr/>
+          <p:nvPr/>
+        </p:nvSpPr>
+        <p:spPr>
+          <a:xfrm>
+            <a:off x="3748682" y="1110493"/>
+            <a:ext cx="1440160" cy="252196"/>
+          </a:xfrm>
+          <a:prstGeom prst="roundRect">
+            <a:avLst/>
+          </a:prstGeom>
+        </p:spPr>
+        <p:style>
+          <a:lnRef idx="2">
+            <a:schemeClr val="accent6"/>
+          </a:lnRef>
+          <a:fillRef idx="1">
+            <a:schemeClr val="lt1"/>
+          </a:fillRef>
+          <a:effectRef idx="0">
+            <a:schemeClr val="accent6"/>
+          </a:effectRef>
+          <a:fontRef idx="minor">
+            <a:schemeClr val="dk1"/>
+          </a:fontRef>
+        </p:style>
+        <p:txBody>
+          <a:bodyPr rtlCol="0" anchor="ctr"/>
+          <a:lstStyle/>
+          <a:p>
+            <a:pPr algn="ctr"/>
+            <a:r>
+              <a:rPr lang="en-US" altLang="zh-TW" sz="1400" dirty="0"/>
+              <a:t>stride_dff2</a:t>
+            </a:r>
+            <a:endParaRPr lang="zh-TW" altLang="en-US" sz="1400" dirty="0"/>
+          </a:p>
+        </p:txBody>
+      </p:sp>
+      <p:sp>
+        <p:nvSpPr>
+          <p:cNvPr id="98" name="矩形: 圓角 97">
+            <a:extLst>
+              <a:ext uri="{FF2B5EF4-FFF2-40B4-BE49-F238E27FC236}">
+                <a16:creationId xmlns:a16="http://schemas.microsoft.com/office/drawing/2014/main" id="{3B2C7F2E-4822-415A-800E-B25DF614A637}"/>
+              </a:ext>
+            </a:extLst>
+          </p:cNvPr>
+          <p:cNvSpPr/>
+          <p:nvPr/>
+        </p:nvSpPr>
+        <p:spPr>
+          <a:xfrm>
+            <a:off x="6232235" y="1296229"/>
+            <a:ext cx="705969" cy="322297"/>
+          </a:xfrm>
+          <a:prstGeom prst="roundRect">
+            <a:avLst/>
+          </a:prstGeom>
+        </p:spPr>
+        <p:style>
+          <a:lnRef idx="2">
+            <a:schemeClr val="accent6"/>
+          </a:lnRef>
+          <a:fillRef idx="1">
+            <a:schemeClr val="lt1"/>
+          </a:fillRef>
+          <a:effectRef idx="0">
+            <a:schemeClr val="accent6"/>
+          </a:effectRef>
+          <a:fontRef idx="minor">
+            <a:schemeClr val="dk1"/>
+          </a:fontRef>
+        </p:style>
+        <p:txBody>
+          <a:bodyPr rtlCol="0" anchor="ctr"/>
+          <a:lstStyle/>
+          <a:p>
+            <a:pPr algn="ctr"/>
+            <a:r>
+              <a:rPr lang="en-US" altLang="zh-TW" sz="900" dirty="0" err="1"/>
+              <a:t>stride_dff</a:t>
+            </a:r>
+            <a:endParaRPr lang="zh-TW" altLang="en-US" sz="900" dirty="0"/>
+          </a:p>
+        </p:txBody>
+      </p:sp>
+      <p:sp>
+        <p:nvSpPr>
+          <p:cNvPr id="99" name="圓角矩形 59">
+            <a:extLst>
+              <a:ext uri="{FF2B5EF4-FFF2-40B4-BE49-F238E27FC236}">
+                <a16:creationId xmlns:a16="http://schemas.microsoft.com/office/drawing/2014/main" id="{30F127DF-DE33-4654-8FA3-2ED8716FBCF4}"/>
+              </a:ext>
+            </a:extLst>
+          </p:cNvPr>
+          <p:cNvSpPr/>
+          <p:nvPr/>
+        </p:nvSpPr>
+        <p:spPr>
+          <a:xfrm>
+            <a:off x="1758943" y="2375033"/>
+            <a:ext cx="1440160" cy="369891"/>
+          </a:xfrm>
+          <a:prstGeom prst="roundRect">
+            <a:avLst/>
+          </a:prstGeom>
+        </p:spPr>
+        <p:style>
+          <a:lnRef idx="2">
+            <a:schemeClr val="accent6"/>
+          </a:lnRef>
+          <a:fillRef idx="1">
+            <a:schemeClr val="lt1"/>
+          </a:fillRef>
+          <a:effectRef idx="0">
+            <a:schemeClr val="accent6"/>
+          </a:effectRef>
+          <a:fontRef idx="minor">
+            <a:schemeClr val="dk1"/>
+          </a:fontRef>
+        </p:style>
+        <p:txBody>
+          <a:bodyPr rtlCol="0" anchor="ctr"/>
+          <a:lstStyle/>
+          <a:p>
+            <a:pPr algn="ctr"/>
+            <a:r>
+              <a:rPr lang="en-US" altLang="zh-TW" sz="1400" dirty="0"/>
+              <a:t>Wsize_dff1</a:t>
+            </a:r>
+            <a:endParaRPr lang="zh-TW" altLang="en-US" sz="1400" dirty="0"/>
+          </a:p>
+        </p:txBody>
+      </p:sp>
+      <p:sp>
+        <p:nvSpPr>
+          <p:cNvPr id="100" name="圓角矩形 59">
+            <a:extLst>
+              <a:ext uri="{FF2B5EF4-FFF2-40B4-BE49-F238E27FC236}">
+                <a16:creationId xmlns:a16="http://schemas.microsoft.com/office/drawing/2014/main" id="{085C4311-480E-4729-8DC2-01C7CC4E7421}"/>
+              </a:ext>
+            </a:extLst>
+          </p:cNvPr>
+          <p:cNvSpPr/>
+          <p:nvPr/>
+        </p:nvSpPr>
+        <p:spPr>
+          <a:xfrm>
+            <a:off x="3735033" y="2368510"/>
+            <a:ext cx="1440160" cy="369891"/>
+          </a:xfrm>
+          <a:prstGeom prst="roundRect">
+            <a:avLst/>
+          </a:prstGeom>
+        </p:spPr>
+        <p:style>
+          <a:lnRef idx="2">
+            <a:schemeClr val="accent6"/>
+          </a:lnRef>
+          <a:fillRef idx="1">
+            <a:schemeClr val="lt1"/>
+          </a:fillRef>
+          <a:effectRef idx="0">
+            <a:schemeClr val="accent6"/>
+          </a:effectRef>
+          <a:fontRef idx="minor">
+            <a:schemeClr val="dk1"/>
+          </a:fontRef>
+        </p:style>
+        <p:txBody>
+          <a:bodyPr rtlCol="0" anchor="ctr"/>
+          <a:lstStyle/>
+          <a:p>
+            <a:pPr algn="ctr"/>
+            <a:r>
+              <a:rPr lang="en-US" altLang="zh-TW" sz="1400" dirty="0"/>
+              <a:t>Wsize_dff2</a:t>
+            </a:r>
+            <a:endParaRPr lang="zh-TW" altLang="en-US" sz="1400" dirty="0"/>
+          </a:p>
+        </p:txBody>
+      </p:sp>
+      <p:sp>
+        <p:nvSpPr>
+          <p:cNvPr id="101" name="圓角矩形 59">
+            <a:extLst>
+              <a:ext uri="{FF2B5EF4-FFF2-40B4-BE49-F238E27FC236}">
+                <a16:creationId xmlns:a16="http://schemas.microsoft.com/office/drawing/2014/main" id="{B1B4599D-3BF2-44E6-8747-3AB2BEAC2F36}"/>
+              </a:ext>
+            </a:extLst>
+          </p:cNvPr>
+          <p:cNvSpPr/>
+          <p:nvPr/>
+        </p:nvSpPr>
+        <p:spPr>
+          <a:xfrm>
+            <a:off x="5480811" y="2461343"/>
+            <a:ext cx="696587" cy="369891"/>
+          </a:xfrm>
+          <a:prstGeom prst="roundRect">
+            <a:avLst/>
+          </a:prstGeom>
+        </p:spPr>
+        <p:style>
+          <a:lnRef idx="2">
+            <a:schemeClr val="accent6"/>
+          </a:lnRef>
+          <a:fillRef idx="1">
+            <a:schemeClr val="lt1"/>
+          </a:fillRef>
+          <a:effectRef idx="0">
+            <a:schemeClr val="accent6"/>
+          </a:effectRef>
+          <a:fontRef idx="minor">
+            <a:schemeClr val="dk1"/>
+          </a:fontRef>
+        </p:style>
+        <p:txBody>
+          <a:bodyPr rtlCol="0" anchor="ctr"/>
+          <a:lstStyle/>
+          <a:p>
+            <a:pPr algn="ctr"/>
+            <a:r>
+              <a:rPr lang="en-US" altLang="zh-TW" sz="900" dirty="0" err="1"/>
+              <a:t>Wsize_dff</a:t>
+            </a:r>
+            <a:endParaRPr lang="zh-TW" altLang="en-US" sz="900" dirty="0"/>
+          </a:p>
+        </p:txBody>
+      </p:sp>
+      <p:cxnSp>
+        <p:nvCxnSpPr>
+          <p:cNvPr id="102" name="直線接點 101">
+            <a:extLst>
+              <a:ext uri="{FF2B5EF4-FFF2-40B4-BE49-F238E27FC236}">
+                <a16:creationId xmlns:a16="http://schemas.microsoft.com/office/drawing/2014/main" id="{35B90352-D3F1-4C14-B0E2-F8E8C04F6557}"/>
+              </a:ext>
+            </a:extLst>
+          </p:cNvPr>
+          <p:cNvCxnSpPr>
+            <a:cxnSpLocks/>
+          </p:cNvCxnSpPr>
+          <p:nvPr/>
+        </p:nvCxnSpPr>
+        <p:spPr>
+          <a:xfrm>
+            <a:off x="1366672" y="2566373"/>
+            <a:ext cx="402508" cy="264861"/>
+          </a:xfrm>
+          <a:prstGeom prst="line">
+            <a:avLst/>
+          </a:prstGeom>
+        </p:spPr>
+        <p:style>
+          <a:lnRef idx="2">
+            <a:schemeClr val="accent6"/>
+          </a:lnRef>
+          <a:fillRef idx="0">
+            <a:schemeClr val="accent6"/>
+          </a:fillRef>
+          <a:effectRef idx="1">
+            <a:schemeClr val="accent6"/>
+          </a:effectRef>
+          <a:fontRef idx="minor">
+            <a:schemeClr val="tx1"/>
+          </a:fontRef>
+        </p:style>
+      </p:cxnSp>
     </p:spTree>
     <p:extLst>
       <p:ext uri="{BB962C8B-B14F-4D97-AF65-F5344CB8AC3E}">
@@ -5836,14 +6220,20 @@
       </p:grpSpPr>
       <p:sp>
         <p:nvSpPr>
-          <p:cNvPr id="2" name="文字方塊 1"/>
+          <p:cNvPr id="2" name="文字方塊 1">
+            <a:extLst>
+              <a:ext uri="{FF2B5EF4-FFF2-40B4-BE49-F238E27FC236}">
+                <a16:creationId xmlns:a16="http://schemas.microsoft.com/office/drawing/2014/main" id="{64CA6C70-03E1-48FA-ACBE-C0D24BFE01DA}"/>
+              </a:ext>
+            </a:extLst>
+          </p:cNvPr>
           <p:cNvSpPr txBox="1"/>
           <p:nvPr/>
         </p:nvSpPr>
         <p:spPr>
           <a:xfrm>
-            <a:off x="755576" y="1546930"/>
-            <a:ext cx="2688557" cy="2308324"/>
+            <a:off x="503548" y="548680"/>
+            <a:ext cx="8136904" cy="3693319"/>
           </a:xfrm>
           <a:prstGeom prst="rect">
             <a:avLst/>
@@ -5851,183 +6241,262 @@
           <a:noFill/>
         </p:spPr>
         <p:txBody>
-          <a:bodyPr wrap="none" rtlCol="0">
+          <a:bodyPr wrap="square" rtlCol="0">
             <a:spAutoFit/>
           </a:bodyPr>
           <a:lstStyle/>
           <a:p>
             <a:r>
-              <a:rPr lang="en-US" altLang="zh-TW" dirty="0" smtClean="0"/>
-              <a:t>CUBE0~7     =&gt;   channal_0</a:t>
-            </a:r>
-          </a:p>
-          <a:p>
-            <a:r>
-              <a:rPr lang="en-US" altLang="zh-TW" dirty="0" smtClean="0"/>
-              <a:t>CUBE8~15   =&gt;   channal</a:t>
-            </a:r>
-            <a:r>
               <a:rPr lang="en-US" altLang="zh-TW" dirty="0"/>
-              <a:t>_</a:t>
-            </a:r>
-            <a:r>
-              <a:rPr lang="en-US" altLang="zh-TW" dirty="0" smtClean="0"/>
-              <a:t>1</a:t>
-            </a:r>
-          </a:p>
-          <a:p>
-            <a:r>
-              <a:rPr lang="en-US" altLang="zh-TW" dirty="0" smtClean="0"/>
-              <a:t>CUBE16~23 =&gt;   channal</a:t>
-            </a:r>
+              <a:t>Testbench: </a:t>
+            </a:r>
+          </a:p>
+          <a:p>
             <a:r>
               <a:rPr lang="en-US" altLang="zh-TW" dirty="0"/>
-              <a:t>_</a:t>
-            </a:r>
-            <a:r>
-              <a:rPr lang="en-US" altLang="zh-TW" dirty="0" smtClean="0"/>
-              <a:t>2</a:t>
-            </a:r>
-          </a:p>
-          <a:p>
-            <a:r>
-              <a:rPr lang="en-US" altLang="zh-TW" dirty="0" smtClean="0"/>
-              <a:t>CUBE24~31</a:t>
+              <a:t>3-stride1,2,padding</a:t>
+            </a:r>
+          </a:p>
+          <a:p>
+            <a:r>
+              <a:rPr lang="zh-TW" altLang="en-US" dirty="0"/>
+              <a:t>路徑</a:t>
             </a:r>
             <a:r>
               <a:rPr lang="en-US" altLang="zh-TW" dirty="0"/>
-              <a:t> =&gt;   </a:t>
-            </a:r>
-            <a:r>
-              <a:rPr lang="en-US" altLang="zh-TW" dirty="0" smtClean="0"/>
-              <a:t>channal</a:t>
+              <a:t>:</a:t>
+            </a:r>
+            <a:r>
+              <a:rPr lang="zh-TW" altLang="en-US" dirty="0"/>
+              <a:t> </a:t>
+            </a:r>
+            <a:endParaRPr lang="en-US" altLang="zh-TW" dirty="0"/>
+          </a:p>
+          <a:p>
+            <a:r>
+              <a:rPr lang="en-US" altLang="zh-TW" dirty="0" err="1"/>
+              <a:t>w_data</a:t>
             </a:r>
             <a:r>
               <a:rPr lang="en-US" altLang="zh-TW" dirty="0"/>
-              <a:t>_</a:t>
-            </a:r>
-            <a:r>
-              <a:rPr lang="en-US" altLang="zh-TW" dirty="0" smtClean="0"/>
-              <a:t>3</a:t>
-            </a:r>
-          </a:p>
-          <a:p>
-            <a:r>
-              <a:rPr lang="en-US" altLang="zh-TW" dirty="0" smtClean="0"/>
-              <a:t>CUBE32~39</a:t>
+              <a:t>-&gt;w-&gt;</a:t>
+            </a:r>
+            <a:r>
+              <a:rPr lang="en-US" altLang="zh-TW" dirty="0" err="1"/>
+              <a:t>wcu</a:t>
             </a:r>
             <a:r>
               <a:rPr lang="en-US" altLang="zh-TW" dirty="0"/>
-              <a:t> =&gt;   </a:t>
-            </a:r>
-            <a:r>
-              <a:rPr lang="en-US" altLang="zh-TW" dirty="0" smtClean="0"/>
-              <a:t>channal</a:t>
+              <a:t>(</a:t>
+            </a:r>
+            <a:r>
+              <a:rPr lang="zh-TW" altLang="en-US" dirty="0"/>
+              <a:t>由</a:t>
+            </a:r>
+            <a:r>
+              <a:rPr lang="en-US" altLang="zh-TW" dirty="0" err="1"/>
+              <a:t>wgroup_dff,wsize_dff</a:t>
+            </a:r>
+            <a:r>
+              <a:rPr lang="zh-TW" altLang="en-US" dirty="0"/>
+              <a:t>決定</a:t>
             </a:r>
             <a:r>
               <a:rPr lang="en-US" altLang="zh-TW" dirty="0"/>
-              <a:t>_</a:t>
-            </a:r>
-            <a:r>
-              <a:rPr lang="en-US" altLang="zh-TW" dirty="0" smtClean="0"/>
-              <a:t>4</a:t>
-            </a:r>
-          </a:p>
-          <a:p>
-            <a:r>
-              <a:rPr lang="en-US" altLang="zh-TW" dirty="0" smtClean="0"/>
-              <a:t>CUBE40~47</a:t>
+              <a:t>w</a:t>
+            </a:r>
+            <a:r>
+              <a:rPr lang="zh-TW" altLang="en-US" dirty="0"/>
+              <a:t>要怎麼組成</a:t>
+            </a:r>
+            <a:r>
+              <a:rPr lang="en-US" altLang="zh-TW" dirty="0" err="1"/>
+              <a:t>wcu</a:t>
             </a:r>
             <a:r>
               <a:rPr lang="en-US" altLang="zh-TW" dirty="0"/>
-              <a:t> =&gt;   </a:t>
-            </a:r>
-            <a:r>
-              <a:rPr lang="en-US" altLang="zh-TW" dirty="0" smtClean="0"/>
-              <a:t>channal</a:t>
+              <a:t>)</a:t>
+            </a:r>
+          </a:p>
+          <a:p>
+            <a:r>
+              <a:rPr lang="en-US" altLang="zh-TW" dirty="0" err="1"/>
+              <a:t>i_data</a:t>
             </a:r>
             <a:r>
               <a:rPr lang="en-US" altLang="zh-TW" dirty="0"/>
-              <a:t>_</a:t>
-            </a:r>
-            <a:r>
-              <a:rPr lang="en-US" altLang="zh-TW" dirty="0" smtClean="0"/>
-              <a:t>5</a:t>
-            </a:r>
-          </a:p>
-          <a:p>
-            <a:r>
-              <a:rPr lang="en-US" altLang="zh-TW" dirty="0" smtClean="0"/>
-              <a:t>CUBE48~55</a:t>
+              <a:t>-&gt;</a:t>
+            </a:r>
+            <a:r>
+              <a:rPr lang="en-US" altLang="zh-TW" dirty="0" err="1"/>
+              <a:t>regx</a:t>
             </a:r>
             <a:r>
               <a:rPr lang="en-US" altLang="zh-TW" dirty="0"/>
-              <a:t> =&gt;   </a:t>
-            </a:r>
-            <a:r>
-              <a:rPr lang="en-US" altLang="zh-TW" dirty="0" smtClean="0"/>
-              <a:t>channal</a:t>
+              <a:t>-&gt;</a:t>
+            </a:r>
+            <a:r>
+              <a:rPr lang="en-US" altLang="zh-TW" dirty="0" err="1"/>
+              <a:t>icu</a:t>
             </a:r>
             <a:r>
               <a:rPr lang="en-US" altLang="zh-TW" dirty="0"/>
-              <a:t>_</a:t>
-            </a:r>
-            <a:r>
-              <a:rPr lang="en-US" altLang="zh-TW" dirty="0" smtClean="0"/>
-              <a:t>6</a:t>
-            </a:r>
-          </a:p>
-          <a:p>
-            <a:r>
-              <a:rPr lang="en-US" altLang="zh-TW" dirty="0" smtClean="0"/>
-              <a:t>CUBE56~63</a:t>
+              <a:t>(</a:t>
+            </a:r>
+            <a:r>
+              <a:rPr lang="zh-TW" altLang="en-US" dirty="0"/>
+              <a:t>由</a:t>
+            </a:r>
+            <a:r>
+              <a:rPr lang="en-US" altLang="zh-TW" dirty="0" err="1"/>
+              <a:t>wsize_dff,stride_dff</a:t>
+            </a:r>
+            <a:r>
+              <a:rPr lang="zh-TW" altLang="en-US" dirty="0"/>
+              <a:t>決定</a:t>
+            </a:r>
+            <a:r>
+              <a:rPr lang="en-US" altLang="zh-TW" dirty="0" err="1"/>
+              <a:t>regx</a:t>
+            </a:r>
+            <a:r>
+              <a:rPr lang="zh-TW" altLang="en-US" dirty="0"/>
+              <a:t>要怎麼組成</a:t>
+            </a:r>
+            <a:r>
+              <a:rPr lang="en-US" altLang="zh-TW" dirty="0" err="1"/>
+              <a:t>icu</a:t>
             </a:r>
             <a:r>
               <a:rPr lang="en-US" altLang="zh-TW" dirty="0"/>
-              <a:t> =&gt;   </a:t>
-            </a:r>
-            <a:r>
-              <a:rPr lang="en-US" altLang="zh-TW" dirty="0" smtClean="0"/>
-              <a:t>channal</a:t>
+              <a:t>)</a:t>
+            </a:r>
+          </a:p>
+          <a:p>
+            <a:r>
+              <a:rPr lang="zh-TW" altLang="en-US" dirty="0"/>
+              <a:t>然後把</a:t>
             </a:r>
             <a:r>
               <a:rPr lang="en-US" altLang="zh-TW" dirty="0"/>
-              <a:t>_</a:t>
-            </a:r>
-            <a:r>
-              <a:rPr lang="en-US" altLang="zh-TW" dirty="0" smtClean="0"/>
-              <a:t>7</a:t>
-            </a:r>
-            <a:endParaRPr lang="zh-TW" altLang="en-US" dirty="0"/>
-          </a:p>
-        </p:txBody>
-      </p:sp>
-      <p:sp>
-        <p:nvSpPr>
-          <p:cNvPr id="4" name="文字方塊 3"/>
-          <p:cNvSpPr txBox="1"/>
-          <p:nvPr/>
-        </p:nvSpPr>
-        <p:spPr>
-          <a:xfrm>
-            <a:off x="827584" y="1124744"/>
-            <a:ext cx="534121" cy="369332"/>
-          </a:xfrm>
-          <a:prstGeom prst="rect">
-            <a:avLst/>
-          </a:prstGeom>
-          <a:noFill/>
-        </p:spPr>
-        <p:txBody>
-          <a:bodyPr wrap="none" rtlCol="0">
-            <a:spAutoFit/>
-          </a:bodyPr>
-          <a:lstStyle/>
-          <a:p>
-            <a:r>
-              <a:rPr lang="en-US" altLang="zh-TW" dirty="0" smtClean="0"/>
-              <a:t>3*3</a:t>
-            </a:r>
+              <a:t>wcu,icu,stride_dff2,round_dff2,wsize_dff2</a:t>
+            </a:r>
+            <a:r>
+              <a:rPr lang="zh-TW" altLang="en-US" dirty="0"/>
+              <a:t>傳給</a:t>
+            </a:r>
+            <a:r>
+              <a:rPr lang="en-US" altLang="zh-TW" dirty="0"/>
+              <a:t>cube</a:t>
+            </a:r>
+            <a:r>
+              <a:rPr lang="zh-TW" altLang="en-US" dirty="0"/>
+              <a:t>，</a:t>
+            </a:r>
+            <a:r>
+              <a:rPr lang="en-US" altLang="zh-TW" dirty="0"/>
+              <a:t>cube</a:t>
+            </a:r>
+            <a:r>
+              <a:rPr lang="zh-TW" altLang="en-US" dirty="0"/>
+              <a:t>內會依照</a:t>
+            </a:r>
+            <a:r>
+              <a:rPr lang="en-US" altLang="zh-TW" dirty="0"/>
+              <a:t>NO3</a:t>
+            </a:r>
+            <a:r>
+              <a:rPr lang="zh-TW" altLang="en-US" dirty="0"/>
+              <a:t>決定</a:t>
+            </a:r>
+            <a:r>
+              <a:rPr lang="en-US" altLang="zh-TW" dirty="0" err="1"/>
+              <a:t>locali</a:t>
+            </a:r>
+            <a:r>
+              <a:rPr lang="en-US" altLang="zh-TW" dirty="0"/>
+              <a:t>,</a:t>
+            </a:r>
+            <a:r>
+              <a:rPr lang="zh-TW" altLang="en-US" dirty="0"/>
+              <a:t>接下來</a:t>
+            </a:r>
+            <a:r>
+              <a:rPr lang="en-US" altLang="zh-TW" dirty="0" err="1"/>
+              <a:t>locali,localw</a:t>
+            </a:r>
+            <a:r>
+              <a:rPr lang="zh-TW" altLang="en-US" dirty="0"/>
+              <a:t>成起來變成最後的</a:t>
+            </a:r>
+            <a:r>
+              <a:rPr lang="en-US" altLang="zh-TW" dirty="0"/>
+              <a:t>result</a:t>
+            </a:r>
+            <a:r>
+              <a:rPr lang="zh-TW" altLang="en-US" dirty="0"/>
+              <a:t>輸出</a:t>
+            </a:r>
+            <a:endParaRPr lang="en-US" altLang="zh-TW" dirty="0"/>
+          </a:p>
+          <a:p>
+            <a:r>
+              <a:rPr lang="en-US" altLang="zh-TW" dirty="0"/>
+              <a:t>(5,7</a:t>
+            </a:r>
+            <a:r>
+              <a:rPr lang="zh-TW" altLang="en-US" dirty="0"/>
+              <a:t>的路徑也差不多</a:t>
+            </a:r>
+            <a:r>
+              <a:rPr lang="en-US" altLang="zh-TW" dirty="0"/>
+              <a:t>(5,7</a:t>
+            </a:r>
+            <a:r>
+              <a:rPr lang="zh-TW" altLang="en-US" dirty="0"/>
+              <a:t>的路徑會依照</a:t>
+            </a:r>
+            <a:r>
+              <a:rPr lang="en-US" altLang="zh-TW" dirty="0"/>
+              <a:t>NO5(NO7),ID5(ID7),round_dff,strid_dff</a:t>
+            </a:r>
+            <a:r>
+              <a:rPr lang="zh-TW" altLang="en-US" dirty="0"/>
+              <a:t>決定</a:t>
+            </a:r>
+            <a:r>
+              <a:rPr lang="en-US" altLang="zh-TW" dirty="0"/>
+              <a:t>,</a:t>
+            </a:r>
+            <a:r>
+              <a:rPr lang="zh-TW" altLang="en-US" dirty="0"/>
+              <a:t>這些路徑測試時都有走過</a:t>
+            </a:r>
+            <a:r>
+              <a:rPr lang="en-US" altLang="zh-TW"/>
+              <a:t>))</a:t>
+            </a:r>
+            <a:endParaRPr lang="en-US" altLang="zh-TW" dirty="0"/>
+          </a:p>
+          <a:p>
+            <a:r>
+              <a:rPr lang="en-US" altLang="zh-TW" dirty="0"/>
+              <a:t>---------------------------------------------------------------</a:t>
+            </a:r>
+          </a:p>
+          <a:p>
+            <a:r>
+              <a:rPr lang="en-US" altLang="zh-TW" dirty="0"/>
+              <a:t>5-stride1(round1,2),stride2,padding</a:t>
+            </a:r>
+          </a:p>
+          <a:p>
+            <a:r>
+              <a:rPr lang="en-US" altLang="zh-TW" dirty="0"/>
+              <a:t>7-stride1(round1,2,3,4),stride2(round1,2),padding</a:t>
+            </a:r>
+          </a:p>
+          <a:p>
             <a:endParaRPr lang="zh-TW" altLang="en-US" dirty="0"/>
           </a:p>
         </p:txBody>
@@ -6035,7 +6504,7 @@
     </p:spTree>
     <p:extLst>
       <p:ext uri="{BB962C8B-B14F-4D97-AF65-F5344CB8AC3E}">
-        <p14:creationId xmlns:p14="http://schemas.microsoft.com/office/powerpoint/2010/main" val="3566491400"/>
+        <p14:creationId xmlns:p14="http://schemas.microsoft.com/office/powerpoint/2010/main" val="45174433"/>
       </p:ext>
     </p:extLst>
   </p:cSld>
@@ -6064,52 +6533,14 @@
       </p:grpSpPr>
       <p:sp>
         <p:nvSpPr>
-          <p:cNvPr id="35" name="矩形 34"/>
-          <p:cNvSpPr/>
-          <p:nvPr/>
-        </p:nvSpPr>
-        <p:spPr>
-          <a:xfrm>
-            <a:off x="5606622" y="332656"/>
-            <a:ext cx="2934444" cy="2633206"/>
-          </a:xfrm>
-          <a:prstGeom prst="rect">
-            <a:avLst/>
-          </a:prstGeom>
-        </p:spPr>
-        <p:style>
-          <a:lnRef idx="2">
-            <a:schemeClr val="accent3"/>
-          </a:lnRef>
-          <a:fillRef idx="1">
-            <a:schemeClr val="lt1"/>
-          </a:fillRef>
-          <a:effectRef idx="0">
-            <a:schemeClr val="accent3"/>
-          </a:effectRef>
-          <a:fontRef idx="minor">
-            <a:schemeClr val="dk1"/>
-          </a:fontRef>
-        </p:style>
-        <p:txBody>
-          <a:bodyPr rtlCol="0" anchor="ctr"/>
-          <a:lstStyle/>
-          <a:p>
-            <a:pPr algn="ctr"/>
-            <a:endParaRPr lang="zh-TW" altLang="en-US"/>
-          </a:p>
-        </p:txBody>
-      </p:sp>
-      <p:sp>
-        <p:nvSpPr>
           <p:cNvPr id="2" name="文字方塊 1"/>
           <p:cNvSpPr txBox="1"/>
           <p:nvPr/>
         </p:nvSpPr>
         <p:spPr>
           <a:xfrm>
-            <a:off x="755576" y="836712"/>
-            <a:ext cx="534121" cy="369332"/>
+            <a:off x="755576" y="1546930"/>
+            <a:ext cx="2688557" cy="2308324"/>
           </a:xfrm>
           <a:prstGeom prst="rect">
             <a:avLst/>
@@ -6123,8 +6554,50 @@
           <a:lstStyle/>
           <a:p>
             <a:r>
-              <a:rPr lang="en-US" altLang="zh-TW" dirty="0" smtClean="0"/>
-              <a:t>5*5</a:t>
+              <a:rPr lang="en-US" altLang="zh-TW" dirty="0"/>
+              <a:t>CUBE0~7     =&gt;   channal_0</a:t>
+            </a:r>
+          </a:p>
+          <a:p>
+            <a:r>
+              <a:rPr lang="en-US" altLang="zh-TW" dirty="0"/>
+              <a:t>CUBE8~15   =&gt;   channal_1</a:t>
+            </a:r>
+          </a:p>
+          <a:p>
+            <a:r>
+              <a:rPr lang="en-US" altLang="zh-TW" dirty="0"/>
+              <a:t>CUBE16~23 =&gt;   channal_2</a:t>
+            </a:r>
+          </a:p>
+          <a:p>
+            <a:r>
+              <a:rPr lang="en-US" altLang="zh-TW" dirty="0"/>
+              <a:t>CUBE24~31 =&gt;   channal_3</a:t>
+            </a:r>
+          </a:p>
+          <a:p>
+            <a:r>
+              <a:rPr lang="en-US" altLang="zh-TW" dirty="0"/>
+              <a:t>CUBE32~39 =&gt;   channal_4</a:t>
+            </a:r>
+          </a:p>
+          <a:p>
+            <a:r>
+              <a:rPr lang="en-US" altLang="zh-TW" dirty="0"/>
+              <a:t>CUBE40~47 =&gt;   channal_5</a:t>
+            </a:r>
+          </a:p>
+          <a:p>
+            <a:r>
+              <a:rPr lang="en-US" altLang="zh-TW" dirty="0"/>
+              <a:t>CUBE48~55 =&gt;   channal_6</a:t>
+            </a:r>
+          </a:p>
+          <a:p>
+            <a:r>
+              <a:rPr lang="en-US" altLang="zh-TW" dirty="0"/>
+              <a:t>CUBE56~63 =&gt;   channal_7</a:t>
             </a:r>
             <a:endParaRPr lang="zh-TW" altLang="en-US" dirty="0"/>
           </a:p>
@@ -6132,14 +6605,14 @@
       </p:sp>
       <p:sp>
         <p:nvSpPr>
-          <p:cNvPr id="3" name="文字方塊 2"/>
+          <p:cNvPr id="4" name="文字方塊 3"/>
           <p:cNvSpPr txBox="1"/>
           <p:nvPr/>
         </p:nvSpPr>
         <p:spPr>
           <a:xfrm>
-            <a:off x="755576" y="1412776"/>
-            <a:ext cx="2847254" cy="1200329"/>
+            <a:off x="827584" y="1124744"/>
+            <a:ext cx="534121" cy="369332"/>
           </a:xfrm>
           <a:prstGeom prst="rect">
             <a:avLst/>
@@ -6153,930 +6626,17 @@
           <a:lstStyle/>
           <a:p>
             <a:r>
-              <a:rPr lang="en-US" altLang="zh-TW" dirty="0" smtClean="0"/>
-              <a:t>CUBE0~15     </a:t>
-            </a:r>
-            <a:r>
               <a:rPr lang="en-US" altLang="zh-TW" dirty="0"/>
-              <a:t>=&gt;   channal_0</a:t>
-            </a:r>
-          </a:p>
-          <a:p>
-            <a:r>
-              <a:rPr lang="en-US" altLang="zh-TW" dirty="0" smtClean="0"/>
-              <a:t>CUBE16~31   </a:t>
-            </a:r>
-            <a:r>
-              <a:rPr lang="en-US" altLang="zh-TW" dirty="0"/>
-              <a:t>=&gt;   channal_1</a:t>
-            </a:r>
-          </a:p>
-          <a:p>
-            <a:r>
-              <a:rPr lang="en-US" altLang="zh-TW" dirty="0" smtClean="0"/>
-              <a:t>CUBE32~47   =&gt;   </a:t>
-            </a:r>
-            <a:r>
-              <a:rPr lang="en-US" altLang="zh-TW" dirty="0"/>
-              <a:t>channal_2</a:t>
-            </a:r>
-          </a:p>
-          <a:p>
-            <a:r>
-              <a:rPr lang="en-US" altLang="zh-TW" dirty="0" smtClean="0"/>
-              <a:t>CUBE48~63   =&gt;   </a:t>
-            </a:r>
-            <a:r>
-              <a:rPr lang="en-US" altLang="zh-TW" dirty="0"/>
-              <a:t>channal_3</a:t>
+              <a:t>3*3</a:t>
             </a:r>
             <a:endParaRPr lang="zh-TW" altLang="en-US" dirty="0"/>
           </a:p>
         </p:txBody>
       </p:sp>
-      <p:sp>
-        <p:nvSpPr>
-          <p:cNvPr id="4" name="矩形 3"/>
-          <p:cNvSpPr/>
-          <p:nvPr/>
-        </p:nvSpPr>
-        <p:spPr>
-          <a:xfrm>
-            <a:off x="179512" y="3092659"/>
-            <a:ext cx="1431776" cy="1396012"/>
-          </a:xfrm>
-          <a:prstGeom prst="rect">
-            <a:avLst/>
-          </a:prstGeom>
-        </p:spPr>
-        <p:style>
-          <a:lnRef idx="2">
-            <a:schemeClr val="accent1">
-              <a:shade val="50000"/>
-            </a:schemeClr>
-          </a:lnRef>
-          <a:fillRef idx="1">
-            <a:schemeClr val="accent1"/>
-          </a:fillRef>
-          <a:effectRef idx="0">
-            <a:schemeClr val="accent1"/>
-          </a:effectRef>
-          <a:fontRef idx="minor">
-            <a:schemeClr val="lt1"/>
-          </a:fontRef>
-        </p:style>
-        <p:txBody>
-          <a:bodyPr rtlCol="0" anchor="ctr"/>
-          <a:lstStyle/>
-          <a:p>
-            <a:pPr algn="ctr"/>
-            <a:endParaRPr lang="en-US" altLang="zh-TW" sz="1400" dirty="0" smtClean="0"/>
-          </a:p>
-          <a:p>
-            <a:pPr algn="ctr"/>
-            <a:r>
-              <a:rPr lang="en-US" altLang="zh-TW" sz="2000" dirty="0" smtClean="0"/>
-              <a:t>CUBE0~15</a:t>
-            </a:r>
-          </a:p>
-          <a:p>
-            <a:pPr algn="ctr"/>
-            <a:endParaRPr lang="zh-TW" altLang="en-US" sz="1400" dirty="0"/>
-          </a:p>
-        </p:txBody>
-      </p:sp>
-      <p:sp>
-        <p:nvSpPr>
-          <p:cNvPr id="5" name="矩形 4"/>
-          <p:cNvSpPr/>
-          <p:nvPr/>
-        </p:nvSpPr>
-        <p:spPr>
-          <a:xfrm>
-            <a:off x="179512" y="4566882"/>
-            <a:ext cx="1431776" cy="1288626"/>
-          </a:xfrm>
-          <a:prstGeom prst="rect">
-            <a:avLst/>
-          </a:prstGeom>
-        </p:spPr>
-        <p:style>
-          <a:lnRef idx="2">
-            <a:schemeClr val="accent1">
-              <a:shade val="50000"/>
-            </a:schemeClr>
-          </a:lnRef>
-          <a:fillRef idx="1">
-            <a:schemeClr val="accent1"/>
-          </a:fillRef>
-          <a:effectRef idx="0">
-            <a:schemeClr val="accent1"/>
-          </a:effectRef>
-          <a:fontRef idx="minor">
-            <a:schemeClr val="lt1"/>
-          </a:fontRef>
-        </p:style>
-        <p:txBody>
-          <a:bodyPr rtlCol="0" anchor="ctr"/>
-          <a:lstStyle/>
-          <a:p>
-            <a:pPr algn="ctr"/>
-            <a:endParaRPr lang="en-US" altLang="zh-TW" sz="1200" dirty="0" smtClean="0"/>
-          </a:p>
-          <a:p>
-            <a:pPr algn="ctr"/>
-            <a:r>
-              <a:rPr lang="en-US" altLang="zh-TW" dirty="0" smtClean="0"/>
-              <a:t>CUBE32~47</a:t>
-            </a:r>
-          </a:p>
-          <a:p>
-            <a:pPr algn="ctr"/>
-            <a:endParaRPr lang="zh-TW" altLang="en-US" sz="1200" dirty="0"/>
-          </a:p>
-        </p:txBody>
-      </p:sp>
-      <p:sp>
-        <p:nvSpPr>
-          <p:cNvPr id="6" name="矩形 5"/>
-          <p:cNvSpPr/>
-          <p:nvPr/>
-        </p:nvSpPr>
-        <p:spPr>
-          <a:xfrm>
-            <a:off x="1650564" y="4566882"/>
-            <a:ext cx="1431776" cy="1288626"/>
-          </a:xfrm>
-          <a:prstGeom prst="rect">
-            <a:avLst/>
-          </a:prstGeom>
-        </p:spPr>
-        <p:style>
-          <a:lnRef idx="2">
-            <a:schemeClr val="accent1">
-              <a:shade val="50000"/>
-            </a:schemeClr>
-          </a:lnRef>
-          <a:fillRef idx="1">
-            <a:schemeClr val="accent1"/>
-          </a:fillRef>
-          <a:effectRef idx="0">
-            <a:schemeClr val="accent1"/>
-          </a:effectRef>
-          <a:fontRef idx="minor">
-            <a:schemeClr val="lt1"/>
-          </a:fontRef>
-        </p:style>
-        <p:txBody>
-          <a:bodyPr rtlCol="0" anchor="ctr"/>
-          <a:lstStyle/>
-          <a:p>
-            <a:pPr algn="ctr"/>
-            <a:endParaRPr lang="en-US" altLang="zh-TW" sz="1200" dirty="0" smtClean="0"/>
-          </a:p>
-          <a:p>
-            <a:pPr algn="ctr"/>
-            <a:endParaRPr lang="en-US" altLang="zh-TW" dirty="0" smtClean="0"/>
-          </a:p>
-          <a:p>
-            <a:pPr algn="ctr"/>
-            <a:r>
-              <a:rPr lang="en-US" altLang="zh-TW" dirty="0" smtClean="0"/>
-              <a:t>CUBE48~63</a:t>
-            </a:r>
-          </a:p>
-          <a:p>
-            <a:pPr algn="ctr"/>
-            <a:endParaRPr lang="zh-TW" altLang="en-US" sz="1200" dirty="0"/>
-          </a:p>
-          <a:p>
-            <a:pPr algn="ctr"/>
-            <a:endParaRPr lang="zh-TW" altLang="en-US" sz="1200" dirty="0"/>
-          </a:p>
-        </p:txBody>
-      </p:sp>
-      <p:sp>
-        <p:nvSpPr>
-          <p:cNvPr id="7" name="矩形 6"/>
-          <p:cNvSpPr/>
-          <p:nvPr/>
-        </p:nvSpPr>
-        <p:spPr>
-          <a:xfrm>
-            <a:off x="1650564" y="3091034"/>
-            <a:ext cx="1431776" cy="1396012"/>
-          </a:xfrm>
-          <a:prstGeom prst="rect">
-            <a:avLst/>
-          </a:prstGeom>
-        </p:spPr>
-        <p:style>
-          <a:lnRef idx="2">
-            <a:schemeClr val="accent1">
-              <a:shade val="50000"/>
-            </a:schemeClr>
-          </a:lnRef>
-          <a:fillRef idx="1">
-            <a:schemeClr val="accent1"/>
-          </a:fillRef>
-          <a:effectRef idx="0">
-            <a:schemeClr val="accent1"/>
-          </a:effectRef>
-          <a:fontRef idx="minor">
-            <a:schemeClr val="lt1"/>
-          </a:fontRef>
-        </p:style>
-        <p:txBody>
-          <a:bodyPr rtlCol="0" anchor="ctr"/>
-          <a:lstStyle/>
-          <a:p>
-            <a:pPr algn="ctr"/>
-            <a:endParaRPr lang="en-US" altLang="zh-TW" sz="1200" dirty="0" smtClean="0"/>
-          </a:p>
-          <a:p>
-            <a:pPr algn="ctr"/>
-            <a:r>
-              <a:rPr lang="en-US" altLang="zh-TW" dirty="0" smtClean="0"/>
-              <a:t>CUBE16~31</a:t>
-            </a:r>
-          </a:p>
-          <a:p>
-            <a:pPr algn="ctr"/>
-            <a:endParaRPr lang="zh-TW" altLang="en-US" sz="1200" dirty="0"/>
-          </a:p>
-        </p:txBody>
-      </p:sp>
-      <p:sp>
-        <p:nvSpPr>
-          <p:cNvPr id="11" name="矩形 10"/>
-          <p:cNvSpPr/>
-          <p:nvPr/>
-        </p:nvSpPr>
-        <p:spPr>
-          <a:xfrm>
-            <a:off x="6400786" y="4074970"/>
-            <a:ext cx="576064" cy="576064"/>
-          </a:xfrm>
-          <a:prstGeom prst="rect">
-            <a:avLst/>
-          </a:prstGeom>
-        </p:spPr>
-        <p:style>
-          <a:lnRef idx="2">
-            <a:schemeClr val="accent6">
-              <a:shade val="50000"/>
-            </a:schemeClr>
-          </a:lnRef>
-          <a:fillRef idx="1">
-            <a:schemeClr val="accent6"/>
-          </a:fillRef>
-          <a:effectRef idx="0">
-            <a:schemeClr val="accent6"/>
-          </a:effectRef>
-          <a:fontRef idx="minor">
-            <a:schemeClr val="lt1"/>
-          </a:fontRef>
-        </p:style>
-        <p:txBody>
-          <a:bodyPr rtlCol="0" anchor="ctr"/>
-          <a:lstStyle/>
-          <a:p>
-            <a:pPr algn="ctr"/>
-            <a:r>
-              <a:rPr lang="en-US" altLang="zh-TW" dirty="0" smtClean="0"/>
-              <a:t>ID0</a:t>
-            </a:r>
-            <a:endParaRPr lang="zh-TW" altLang="en-US" dirty="0"/>
-          </a:p>
-        </p:txBody>
-      </p:sp>
-      <p:sp>
-        <p:nvSpPr>
-          <p:cNvPr id="12" name="矩形 11"/>
-          <p:cNvSpPr/>
-          <p:nvPr/>
-        </p:nvSpPr>
-        <p:spPr>
-          <a:xfrm>
-            <a:off x="7073844" y="4775070"/>
-            <a:ext cx="576064" cy="576064"/>
-          </a:xfrm>
-          <a:prstGeom prst="rect">
-            <a:avLst/>
-          </a:prstGeom>
-        </p:spPr>
-        <p:style>
-          <a:lnRef idx="2">
-            <a:schemeClr val="accent6">
-              <a:shade val="50000"/>
-            </a:schemeClr>
-          </a:lnRef>
-          <a:fillRef idx="1">
-            <a:schemeClr val="accent6"/>
-          </a:fillRef>
-          <a:effectRef idx="0">
-            <a:schemeClr val="accent6"/>
-          </a:effectRef>
-          <a:fontRef idx="minor">
-            <a:schemeClr val="lt1"/>
-          </a:fontRef>
-        </p:style>
-        <p:txBody>
-          <a:bodyPr rtlCol="0" anchor="ctr"/>
-          <a:lstStyle/>
-          <a:p>
-            <a:pPr algn="ctr"/>
-            <a:r>
-              <a:rPr lang="en-US" altLang="zh-TW" dirty="0" smtClean="0"/>
-              <a:t>ID3</a:t>
-            </a:r>
-            <a:endParaRPr lang="zh-TW" altLang="en-US" dirty="0"/>
-          </a:p>
-        </p:txBody>
-      </p:sp>
-      <p:sp>
-        <p:nvSpPr>
-          <p:cNvPr id="13" name="矩形 12"/>
-          <p:cNvSpPr/>
-          <p:nvPr/>
-        </p:nvSpPr>
-        <p:spPr>
-          <a:xfrm>
-            <a:off x="7082188" y="4077444"/>
-            <a:ext cx="576064" cy="576064"/>
-          </a:xfrm>
-          <a:prstGeom prst="rect">
-            <a:avLst/>
-          </a:prstGeom>
-        </p:spPr>
-        <p:style>
-          <a:lnRef idx="2">
-            <a:schemeClr val="accent6">
-              <a:shade val="50000"/>
-            </a:schemeClr>
-          </a:lnRef>
-          <a:fillRef idx="1">
-            <a:schemeClr val="accent6"/>
-          </a:fillRef>
-          <a:effectRef idx="0">
-            <a:schemeClr val="accent6"/>
-          </a:effectRef>
-          <a:fontRef idx="minor">
-            <a:schemeClr val="lt1"/>
-          </a:fontRef>
-        </p:style>
-        <p:txBody>
-          <a:bodyPr rtlCol="0" anchor="ctr"/>
-          <a:lstStyle/>
-          <a:p>
-            <a:pPr algn="ctr"/>
-            <a:r>
-              <a:rPr lang="en-US" altLang="zh-TW" dirty="0" smtClean="0"/>
-              <a:t>ID1</a:t>
-            </a:r>
-            <a:endParaRPr lang="zh-TW" altLang="en-US" dirty="0"/>
-          </a:p>
-        </p:txBody>
-      </p:sp>
-      <p:sp>
-        <p:nvSpPr>
-          <p:cNvPr id="14" name="矩形 13"/>
-          <p:cNvSpPr/>
-          <p:nvPr/>
-        </p:nvSpPr>
-        <p:spPr>
-          <a:xfrm>
-            <a:off x="6400786" y="4775070"/>
-            <a:ext cx="576064" cy="576064"/>
-          </a:xfrm>
-          <a:prstGeom prst="rect">
-            <a:avLst/>
-          </a:prstGeom>
-        </p:spPr>
-        <p:style>
-          <a:lnRef idx="2">
-            <a:schemeClr val="accent6">
-              <a:shade val="50000"/>
-            </a:schemeClr>
-          </a:lnRef>
-          <a:fillRef idx="1">
-            <a:schemeClr val="accent6"/>
-          </a:fillRef>
-          <a:effectRef idx="0">
-            <a:schemeClr val="accent6"/>
-          </a:effectRef>
-          <a:fontRef idx="minor">
-            <a:schemeClr val="lt1"/>
-          </a:fontRef>
-        </p:style>
-        <p:txBody>
-          <a:bodyPr rtlCol="0" anchor="ctr"/>
-          <a:lstStyle/>
-          <a:p>
-            <a:pPr algn="ctr"/>
-            <a:r>
-              <a:rPr lang="en-US" altLang="zh-TW" dirty="0" smtClean="0"/>
-              <a:t>ID2</a:t>
-            </a:r>
-            <a:endParaRPr lang="zh-TW" altLang="en-US" dirty="0"/>
-          </a:p>
-        </p:txBody>
-      </p:sp>
-      <p:sp>
-        <p:nvSpPr>
-          <p:cNvPr id="17" name="矩形 16"/>
-          <p:cNvSpPr/>
-          <p:nvPr/>
-        </p:nvSpPr>
-        <p:spPr>
-          <a:xfrm>
-            <a:off x="5635644" y="309072"/>
-            <a:ext cx="2520280" cy="2201158"/>
-          </a:xfrm>
-          <a:prstGeom prst="rect">
-            <a:avLst/>
-          </a:prstGeom>
-          <a:noFill/>
-        </p:spPr>
-        <p:style>
-          <a:lnRef idx="2">
-            <a:schemeClr val="accent3">
-              <a:shade val="50000"/>
-            </a:schemeClr>
-          </a:lnRef>
-          <a:fillRef idx="1">
-            <a:schemeClr val="accent3"/>
-          </a:fillRef>
-          <a:effectRef idx="0">
-            <a:schemeClr val="accent3"/>
-          </a:effectRef>
-          <a:fontRef idx="minor">
-            <a:schemeClr val="lt1"/>
-          </a:fontRef>
-        </p:style>
-        <p:txBody>
-          <a:bodyPr rtlCol="0" anchor="ctr"/>
-          <a:lstStyle/>
-          <a:p>
-            <a:pPr algn="ctr"/>
-            <a:endParaRPr lang="zh-TW" altLang="en-US"/>
-          </a:p>
-        </p:txBody>
-      </p:sp>
-      <p:sp>
-        <p:nvSpPr>
-          <p:cNvPr id="26" name="文字方塊 25"/>
-          <p:cNvSpPr txBox="1"/>
-          <p:nvPr/>
-        </p:nvSpPr>
-        <p:spPr>
-          <a:xfrm>
-            <a:off x="5742012" y="332656"/>
-            <a:ext cx="2723679" cy="2800767"/>
-          </a:xfrm>
-          <a:prstGeom prst="rect">
-            <a:avLst/>
-          </a:prstGeom>
-          <a:noFill/>
-        </p:spPr>
-        <p:txBody>
-          <a:bodyPr wrap="square" rtlCol="0">
-            <a:spAutoFit/>
-          </a:bodyPr>
-          <a:lstStyle/>
-          <a:p>
-            <a:r>
-              <a:rPr lang="en-US" altLang="zh-TW" sz="2800" dirty="0" smtClean="0"/>
-              <a:t>0  5  10  15  20   0</a:t>
-            </a:r>
-          </a:p>
-          <a:p>
-            <a:r>
-              <a:rPr lang="en-US" altLang="zh-TW" sz="2800" dirty="0" smtClean="0"/>
-              <a:t>1  6  11  16  21   0</a:t>
-            </a:r>
-          </a:p>
-          <a:p>
-            <a:r>
-              <a:rPr lang="en-US" altLang="zh-TW" sz="2800" dirty="0" smtClean="0"/>
-              <a:t>2  7  12  17  22   0</a:t>
-            </a:r>
-          </a:p>
-          <a:p>
-            <a:r>
-              <a:rPr lang="en-US" altLang="zh-TW" sz="2800" dirty="0" smtClean="0"/>
-              <a:t>3  8  13  18  23   0</a:t>
-            </a:r>
-          </a:p>
-          <a:p>
-            <a:r>
-              <a:rPr lang="en-US" altLang="zh-TW" sz="2800" dirty="0" smtClean="0"/>
-              <a:t>4  9  14  19  24   0</a:t>
-            </a:r>
-          </a:p>
-          <a:p>
-            <a:r>
-              <a:rPr lang="en-US" altLang="zh-TW" dirty="0" smtClean="0"/>
-              <a:t>0     0      0        0       0        0</a:t>
-            </a:r>
-          </a:p>
-          <a:p>
-            <a:endParaRPr lang="zh-TW" altLang="en-US" dirty="0"/>
-          </a:p>
-        </p:txBody>
-      </p:sp>
-      <p:cxnSp>
-        <p:nvCxnSpPr>
-          <p:cNvPr id="28" name="直線接點 27"/>
-          <p:cNvCxnSpPr>
-            <a:endCxn id="35" idx="3"/>
-          </p:cNvCxnSpPr>
-          <p:nvPr/>
-        </p:nvCxnSpPr>
-        <p:spPr>
-          <a:xfrm>
-            <a:off x="5635644" y="1630464"/>
-            <a:ext cx="2905422" cy="18795"/>
-          </a:xfrm>
-          <a:prstGeom prst="line">
-            <a:avLst/>
-          </a:prstGeom>
-        </p:spPr>
-        <p:style>
-          <a:lnRef idx="3">
-            <a:schemeClr val="accent3"/>
-          </a:lnRef>
-          <a:fillRef idx="0">
-            <a:schemeClr val="accent3"/>
-          </a:fillRef>
-          <a:effectRef idx="2">
-            <a:schemeClr val="accent3"/>
-          </a:effectRef>
-          <a:fontRef idx="minor">
-            <a:schemeClr val="tx1"/>
-          </a:fontRef>
-        </p:style>
-      </p:cxnSp>
-      <p:cxnSp>
-        <p:nvCxnSpPr>
-          <p:cNvPr id="32" name="直線接點 31"/>
-          <p:cNvCxnSpPr/>
-          <p:nvPr/>
-        </p:nvCxnSpPr>
-        <p:spPr>
-          <a:xfrm>
-            <a:off x="6976850" y="309072"/>
-            <a:ext cx="0" cy="2592288"/>
-          </a:xfrm>
-          <a:prstGeom prst="line">
-            <a:avLst/>
-          </a:prstGeom>
-        </p:spPr>
-        <p:style>
-          <a:lnRef idx="3">
-            <a:schemeClr val="accent3"/>
-          </a:lnRef>
-          <a:fillRef idx="0">
-            <a:schemeClr val="accent3"/>
-          </a:fillRef>
-          <a:effectRef idx="2">
-            <a:schemeClr val="accent3"/>
-          </a:effectRef>
-          <a:fontRef idx="minor">
-            <a:schemeClr val="tx1"/>
-          </a:fontRef>
-        </p:style>
-      </p:cxnSp>
-      <p:sp>
-        <p:nvSpPr>
-          <p:cNvPr id="48" name="矩形 47"/>
-          <p:cNvSpPr/>
-          <p:nvPr/>
-        </p:nvSpPr>
-        <p:spPr>
-          <a:xfrm>
-            <a:off x="3502436" y="3513760"/>
-            <a:ext cx="1008112" cy="936104"/>
-          </a:xfrm>
-          <a:prstGeom prst="rect">
-            <a:avLst/>
-          </a:prstGeom>
-        </p:spPr>
-        <p:style>
-          <a:lnRef idx="2">
-            <a:schemeClr val="accent3">
-              <a:shade val="50000"/>
-            </a:schemeClr>
-          </a:lnRef>
-          <a:fillRef idx="1">
-            <a:schemeClr val="accent3"/>
-          </a:fillRef>
-          <a:effectRef idx="0">
-            <a:schemeClr val="accent3"/>
-          </a:effectRef>
-          <a:fontRef idx="minor">
-            <a:schemeClr val="lt1"/>
-          </a:fontRef>
-        </p:style>
-        <p:txBody>
-          <a:bodyPr rtlCol="0" anchor="ctr"/>
-          <a:lstStyle/>
-          <a:p>
-            <a:pPr algn="ctr"/>
-            <a:endParaRPr lang="en-US" altLang="zh-TW" sz="1400" dirty="0" smtClean="0"/>
-          </a:p>
-          <a:p>
-            <a:pPr algn="ctr"/>
-            <a:r>
-              <a:rPr lang="en-US" altLang="zh-TW" sz="2000" dirty="0" smtClean="0"/>
-              <a:t>NO0</a:t>
-            </a:r>
-            <a:endParaRPr lang="zh-TW" altLang="en-US" sz="2000" dirty="0"/>
-          </a:p>
-          <a:p>
-            <a:pPr algn="ctr"/>
-            <a:endParaRPr lang="zh-TW" altLang="en-US" sz="1400" dirty="0"/>
-          </a:p>
-        </p:txBody>
-      </p:sp>
-      <p:sp>
-        <p:nvSpPr>
-          <p:cNvPr id="52" name="矩形 51"/>
-          <p:cNvSpPr/>
-          <p:nvPr/>
-        </p:nvSpPr>
-        <p:spPr>
-          <a:xfrm>
-            <a:off x="4627532" y="4627802"/>
-            <a:ext cx="1008112" cy="936104"/>
-          </a:xfrm>
-          <a:prstGeom prst="rect">
-            <a:avLst/>
-          </a:prstGeom>
-        </p:spPr>
-        <p:style>
-          <a:lnRef idx="2">
-            <a:schemeClr val="accent3">
-              <a:shade val="50000"/>
-            </a:schemeClr>
-          </a:lnRef>
-          <a:fillRef idx="1">
-            <a:schemeClr val="accent3"/>
-          </a:fillRef>
-          <a:effectRef idx="0">
-            <a:schemeClr val="accent3"/>
-          </a:effectRef>
-          <a:fontRef idx="minor">
-            <a:schemeClr val="lt1"/>
-          </a:fontRef>
-        </p:style>
-        <p:txBody>
-          <a:bodyPr rtlCol="0" anchor="ctr"/>
-          <a:lstStyle/>
-          <a:p>
-            <a:pPr algn="ctr"/>
-            <a:endParaRPr lang="en-US" altLang="zh-TW" sz="1400" dirty="0" smtClean="0"/>
-          </a:p>
-          <a:p>
-            <a:pPr algn="ctr"/>
-            <a:r>
-              <a:rPr lang="en-US" altLang="zh-TW" sz="2000" dirty="0" smtClean="0"/>
-              <a:t>NO3</a:t>
-            </a:r>
-            <a:endParaRPr lang="zh-TW" altLang="en-US" sz="2000" dirty="0"/>
-          </a:p>
-          <a:p>
-            <a:pPr algn="ctr"/>
-            <a:endParaRPr lang="zh-TW" altLang="en-US" sz="1400" dirty="0"/>
-          </a:p>
-        </p:txBody>
-      </p:sp>
-      <p:sp>
-        <p:nvSpPr>
-          <p:cNvPr id="53" name="矩形 52"/>
-          <p:cNvSpPr/>
-          <p:nvPr/>
-        </p:nvSpPr>
-        <p:spPr>
-          <a:xfrm>
-            <a:off x="4600410" y="3550079"/>
-            <a:ext cx="1008112" cy="936104"/>
-          </a:xfrm>
-          <a:prstGeom prst="rect">
-            <a:avLst/>
-          </a:prstGeom>
-        </p:spPr>
-        <p:style>
-          <a:lnRef idx="2">
-            <a:schemeClr val="accent3">
-              <a:shade val="50000"/>
-            </a:schemeClr>
-          </a:lnRef>
-          <a:fillRef idx="1">
-            <a:schemeClr val="accent3"/>
-          </a:fillRef>
-          <a:effectRef idx="0">
-            <a:schemeClr val="accent3"/>
-          </a:effectRef>
-          <a:fontRef idx="minor">
-            <a:schemeClr val="lt1"/>
-          </a:fontRef>
-        </p:style>
-        <p:txBody>
-          <a:bodyPr rtlCol="0" anchor="ctr"/>
-          <a:lstStyle/>
-          <a:p>
-            <a:pPr algn="ctr"/>
-            <a:endParaRPr lang="en-US" altLang="zh-TW" sz="1400" dirty="0" smtClean="0"/>
-          </a:p>
-          <a:p>
-            <a:pPr algn="ctr"/>
-            <a:r>
-              <a:rPr lang="en-US" altLang="zh-TW" sz="2000" dirty="0" smtClean="0"/>
-              <a:t>NO1</a:t>
-            </a:r>
-            <a:endParaRPr lang="zh-TW" altLang="en-US" sz="2000" dirty="0"/>
-          </a:p>
-          <a:p>
-            <a:pPr algn="ctr"/>
-            <a:endParaRPr lang="zh-TW" altLang="en-US" sz="1400" dirty="0"/>
-          </a:p>
-        </p:txBody>
-      </p:sp>
-      <p:sp>
-        <p:nvSpPr>
-          <p:cNvPr id="54" name="矩形 53"/>
-          <p:cNvSpPr/>
-          <p:nvPr/>
-        </p:nvSpPr>
-        <p:spPr>
-          <a:xfrm>
-            <a:off x="3512016" y="4595050"/>
-            <a:ext cx="1008112" cy="936104"/>
-          </a:xfrm>
-          <a:prstGeom prst="rect">
-            <a:avLst/>
-          </a:prstGeom>
-        </p:spPr>
-        <p:style>
-          <a:lnRef idx="2">
-            <a:schemeClr val="accent3">
-              <a:shade val="50000"/>
-            </a:schemeClr>
-          </a:lnRef>
-          <a:fillRef idx="1">
-            <a:schemeClr val="accent3"/>
-          </a:fillRef>
-          <a:effectRef idx="0">
-            <a:schemeClr val="accent3"/>
-          </a:effectRef>
-          <a:fontRef idx="minor">
-            <a:schemeClr val="lt1"/>
-          </a:fontRef>
-        </p:style>
-        <p:txBody>
-          <a:bodyPr rtlCol="0" anchor="ctr"/>
-          <a:lstStyle/>
-          <a:p>
-            <a:pPr algn="ctr"/>
-            <a:endParaRPr lang="en-US" altLang="zh-TW" sz="1400" dirty="0" smtClean="0"/>
-          </a:p>
-          <a:p>
-            <a:pPr algn="ctr"/>
-            <a:r>
-              <a:rPr lang="en-US" altLang="zh-TW" sz="2000" dirty="0" smtClean="0"/>
-              <a:t>NO2</a:t>
-            </a:r>
-            <a:endParaRPr lang="zh-TW" altLang="en-US" sz="2000" dirty="0"/>
-          </a:p>
-          <a:p>
-            <a:pPr algn="ctr"/>
-            <a:endParaRPr lang="zh-TW" altLang="en-US" sz="1400" dirty="0"/>
-          </a:p>
-        </p:txBody>
-      </p:sp>
-      <p:sp>
-        <p:nvSpPr>
-          <p:cNvPr id="59" name="圓角矩形圖說文字 58"/>
-          <p:cNvSpPr/>
-          <p:nvPr/>
-        </p:nvSpPr>
-        <p:spPr>
-          <a:xfrm>
-            <a:off x="3262144" y="3319927"/>
-            <a:ext cx="2520280" cy="2426198"/>
-          </a:xfrm>
-          <a:prstGeom prst="wedgeRoundRectCallout">
-            <a:avLst>
-              <a:gd name="adj1" fmla="val -59644"/>
-              <a:gd name="adj2" fmla="val -22041"/>
-              <a:gd name="adj3" fmla="val 16667"/>
-            </a:avLst>
-          </a:prstGeom>
-          <a:noFill/>
-        </p:spPr>
-        <p:style>
-          <a:lnRef idx="2">
-            <a:schemeClr val="accent3"/>
-          </a:lnRef>
-          <a:fillRef idx="1">
-            <a:schemeClr val="lt1"/>
-          </a:fillRef>
-          <a:effectRef idx="0">
-            <a:schemeClr val="accent3"/>
-          </a:effectRef>
-          <a:fontRef idx="minor">
-            <a:schemeClr val="dk1"/>
-          </a:fontRef>
-        </p:style>
-        <p:txBody>
-          <a:bodyPr rtlCol="0" anchor="ctr"/>
-          <a:lstStyle/>
-          <a:p>
-            <a:pPr algn="ctr"/>
-            <a:endParaRPr lang="zh-TW" altLang="en-US"/>
-          </a:p>
-        </p:txBody>
-      </p:sp>
-      <p:sp>
-        <p:nvSpPr>
-          <p:cNvPr id="60" name="圓角矩形圖說文字 59"/>
-          <p:cNvSpPr/>
-          <p:nvPr/>
-        </p:nvSpPr>
-        <p:spPr>
-          <a:xfrm>
-            <a:off x="6012160" y="3717032"/>
-            <a:ext cx="2016224" cy="1944216"/>
-          </a:xfrm>
-          <a:prstGeom prst="wedgeRoundRectCallout">
-            <a:avLst>
-              <a:gd name="adj1" fmla="val -75168"/>
-              <a:gd name="adj2" fmla="val 20171"/>
-              <a:gd name="adj3" fmla="val 16667"/>
-            </a:avLst>
-          </a:prstGeom>
-          <a:noFill/>
-        </p:spPr>
-        <p:style>
-          <a:lnRef idx="2">
-            <a:schemeClr val="accent6"/>
-          </a:lnRef>
-          <a:fillRef idx="1">
-            <a:schemeClr val="lt1"/>
-          </a:fillRef>
-          <a:effectRef idx="0">
-            <a:schemeClr val="accent6"/>
-          </a:effectRef>
-          <a:fontRef idx="minor">
-            <a:schemeClr val="dk1"/>
-          </a:fontRef>
-        </p:style>
-        <p:txBody>
-          <a:bodyPr rtlCol="0" anchor="ctr"/>
-          <a:lstStyle/>
-          <a:p>
-            <a:pPr algn="ctr"/>
-            <a:endParaRPr lang="zh-TW" altLang="en-US"/>
-          </a:p>
-        </p:txBody>
-      </p:sp>
-      <p:cxnSp>
-        <p:nvCxnSpPr>
-          <p:cNvPr id="63" name="直線接點 62"/>
-          <p:cNvCxnSpPr>
-            <a:endCxn id="60" idx="0"/>
-          </p:cNvCxnSpPr>
-          <p:nvPr/>
-        </p:nvCxnSpPr>
-        <p:spPr>
-          <a:xfrm>
-            <a:off x="7020272" y="2965862"/>
-            <a:ext cx="0" cy="751170"/>
-          </a:xfrm>
-          <a:prstGeom prst="line">
-            <a:avLst/>
-          </a:prstGeom>
-        </p:spPr>
-        <p:style>
-          <a:lnRef idx="3">
-            <a:schemeClr val="accent6"/>
-          </a:lnRef>
-          <a:fillRef idx="0">
-            <a:schemeClr val="accent6"/>
-          </a:fillRef>
-          <a:effectRef idx="2">
-            <a:schemeClr val="accent6"/>
-          </a:effectRef>
-          <a:fontRef idx="minor">
-            <a:schemeClr val="tx1"/>
-          </a:fontRef>
-        </p:style>
-      </p:cxnSp>
     </p:spTree>
     <p:extLst>
       <p:ext uri="{BB962C8B-B14F-4D97-AF65-F5344CB8AC3E}">
-        <p14:creationId xmlns:p14="http://schemas.microsoft.com/office/powerpoint/2010/main" val="2037623647"/>
+        <p14:creationId xmlns:p14="http://schemas.microsoft.com/office/powerpoint/2010/main" val="3566491400"/>
       </p:ext>
     </p:extLst>
   </p:cSld>
@@ -7105,29 +6665,67 @@
       </p:grpSpPr>
       <p:sp>
         <p:nvSpPr>
-          <p:cNvPr id="2" name="矩形 1"/>
+          <p:cNvPr id="35" name="矩形 34"/>
           <p:cNvSpPr/>
           <p:nvPr/>
         </p:nvSpPr>
         <p:spPr>
           <a:xfrm>
-            <a:off x="711047" y="620688"/>
-            <a:ext cx="534122" cy="369332"/>
+            <a:off x="5606622" y="332656"/>
+            <a:ext cx="2934444" cy="2633206"/>
           </a:xfrm>
           <a:prstGeom prst="rect">
             <a:avLst/>
           </a:prstGeom>
         </p:spPr>
-        <p:txBody>
-          <a:bodyPr wrap="none">
+        <p:style>
+          <a:lnRef idx="2">
+            <a:schemeClr val="accent3"/>
+          </a:lnRef>
+          <a:fillRef idx="1">
+            <a:schemeClr val="lt1"/>
+          </a:fillRef>
+          <a:effectRef idx="0">
+            <a:schemeClr val="accent3"/>
+          </a:effectRef>
+          <a:fontRef idx="minor">
+            <a:schemeClr val="dk1"/>
+          </a:fontRef>
+        </p:style>
+        <p:txBody>
+          <a:bodyPr rtlCol="0" anchor="ctr"/>
+          <a:lstStyle/>
+          <a:p>
+            <a:pPr algn="ctr"/>
+            <a:endParaRPr lang="zh-TW" altLang="en-US"/>
+          </a:p>
+        </p:txBody>
+      </p:sp>
+      <p:sp>
+        <p:nvSpPr>
+          <p:cNvPr id="2" name="文字方塊 1"/>
+          <p:cNvSpPr txBox="1"/>
+          <p:nvPr/>
+        </p:nvSpPr>
+        <p:spPr>
+          <a:xfrm>
+            <a:off x="755576" y="836712"/>
+            <a:ext cx="534121" cy="369332"/>
+          </a:xfrm>
+          <a:prstGeom prst="rect">
+            <a:avLst/>
+          </a:prstGeom>
+          <a:noFill/>
+        </p:spPr>
+        <p:txBody>
+          <a:bodyPr wrap="none" rtlCol="0">
             <a:spAutoFit/>
           </a:bodyPr>
           <a:lstStyle/>
           <a:p>
-            <a:pPr algn="ctr"/>
-            <a:r>
-              <a:rPr lang="en-US" altLang="zh-TW" dirty="0" smtClean="0"/>
-              <a:t>7*7</a:t>
+            <a:r>
+              <a:rPr lang="en-US" altLang="zh-TW" dirty="0"/>
+              <a:t>5*5</a:t>
             </a:r>
             <a:endParaRPr lang="zh-TW" altLang="en-US" dirty="0"/>
           </a:p>
@@ -7135,44 +6733,49 @@
       </p:sp>
       <p:sp>
         <p:nvSpPr>
-          <p:cNvPr id="3" name="矩形 2"/>
-          <p:cNvSpPr/>
-          <p:nvPr/>
-        </p:nvSpPr>
-        <p:spPr>
-          <a:xfrm>
-            <a:off x="467544" y="1772816"/>
-            <a:ext cx="2880320" cy="646331"/>
+          <p:cNvPr id="3" name="文字方塊 2"/>
+          <p:cNvSpPr txBox="1"/>
+          <p:nvPr/>
+        </p:nvSpPr>
+        <p:spPr>
+          <a:xfrm>
+            <a:off x="755576" y="1412776"/>
+            <a:ext cx="2847254" cy="1200329"/>
           </a:xfrm>
           <a:prstGeom prst="rect">
             <a:avLst/>
           </a:prstGeom>
-        </p:spPr>
-        <p:txBody>
-          <a:bodyPr wrap="square">
+          <a:noFill/>
+        </p:spPr>
+        <p:txBody>
+          <a:bodyPr wrap="none" rtlCol="0">
             <a:spAutoFit/>
           </a:bodyPr>
           <a:lstStyle/>
           <a:p>
             <a:r>
-              <a:rPr lang="en-US" altLang="zh-TW" dirty="0" smtClean="0"/>
-              <a:t>CUBE0~31     </a:t>
-            </a:r>
-            <a:r>
               <a:rPr lang="en-US" altLang="zh-TW" dirty="0"/>
-              <a:t>=&gt;   channal_0</a:t>
-            </a:r>
-          </a:p>
-          <a:p>
-            <a:r>
-              <a:rPr lang="en-US" altLang="zh-TW" dirty="0" smtClean="0"/>
-              <a:t>CUBE32~63   </a:t>
-            </a:r>
+              <a:t>CUBE0~15     =&gt;   channal_0</a:t>
+            </a:r>
+          </a:p>
+          <a:p>
             <a:r>
               <a:rPr lang="en-US" altLang="zh-TW" dirty="0"/>
-              <a:t>=&gt;   channal_1</a:t>
-            </a:r>
-            <a:endParaRPr lang="en-US" altLang="zh-TW" dirty="0"/>
+              <a:t>CUBE16~31   =&gt;   channal_1</a:t>
+            </a:r>
+          </a:p>
+          <a:p>
+            <a:r>
+              <a:rPr lang="en-US" altLang="zh-TW" dirty="0"/>
+              <a:t>CUBE32~47   =&gt;   channal_2</a:t>
+            </a:r>
+          </a:p>
+          <a:p>
+            <a:r>
+              <a:rPr lang="en-US" altLang="zh-TW" dirty="0"/>
+              <a:t>CUBE48~63   =&gt;   channal_3</a:t>
+            </a:r>
+            <a:endParaRPr lang="zh-TW" altLang="en-US" dirty="0"/>
           </a:p>
         </p:txBody>
       </p:sp>
@@ -7184,8 +6787,8 @@
         </p:nvSpPr>
         <p:spPr>
           <a:xfrm>
-            <a:off x="224880" y="3429000"/>
-            <a:ext cx="2258888" cy="1396012"/>
+            <a:off x="179512" y="3092659"/>
+            <a:ext cx="1431776" cy="1396012"/>
           </a:xfrm>
           <a:prstGeom prst="rect">
             <a:avLst/>
@@ -7212,13 +6815,13 @@
           <a:lstStyle/>
           <a:p>
             <a:pPr algn="ctr"/>
-            <a:endParaRPr lang="en-US" altLang="zh-TW" sz="1400" dirty="0" smtClean="0"/>
+            <a:endParaRPr lang="en-US" altLang="zh-TW" sz="1400" dirty="0"/>
           </a:p>
           <a:p>
             <a:pPr algn="ctr"/>
             <a:r>
-              <a:rPr lang="en-US" altLang="zh-TW" sz="2000" dirty="0" smtClean="0"/>
-              <a:t>CUBE0~31</a:t>
+              <a:rPr lang="en-US" altLang="zh-TW" sz="2000" dirty="0"/>
+              <a:t>CUBE0~15</a:t>
             </a:r>
           </a:p>
           <a:p>
@@ -7229,14 +6832,14 @@
       </p:sp>
       <p:sp>
         <p:nvSpPr>
-          <p:cNvPr id="8" name="矩形 7"/>
+          <p:cNvPr id="5" name="矩形 4"/>
           <p:cNvSpPr/>
           <p:nvPr/>
         </p:nvSpPr>
         <p:spPr>
           <a:xfrm>
-            <a:off x="224880" y="4934509"/>
-            <a:ext cx="2258888" cy="1396012"/>
+            <a:off x="179512" y="4566882"/>
+            <a:ext cx="1431776" cy="1288626"/>
           </a:xfrm>
           <a:prstGeom prst="rect">
             <a:avLst/>
@@ -7263,14 +6866,517 @@
           <a:lstStyle/>
           <a:p>
             <a:pPr algn="ctr"/>
-            <a:endParaRPr lang="en-US" altLang="zh-TW" sz="1400" dirty="0" smtClean="0"/>
+            <a:endParaRPr lang="en-US" altLang="zh-TW" sz="1200" dirty="0"/>
           </a:p>
           <a:p>
             <a:pPr algn="ctr"/>
             <a:r>
-              <a:rPr lang="en-US" altLang="zh-TW" sz="2000" dirty="0" smtClean="0"/>
-              <a:t>CUBE32~63</a:t>
-            </a:r>
+              <a:rPr lang="en-US" altLang="zh-TW" dirty="0"/>
+              <a:t>CUBE32~47</a:t>
+            </a:r>
+          </a:p>
+          <a:p>
+            <a:pPr algn="ctr"/>
+            <a:endParaRPr lang="zh-TW" altLang="en-US" sz="1200" dirty="0"/>
+          </a:p>
+        </p:txBody>
+      </p:sp>
+      <p:sp>
+        <p:nvSpPr>
+          <p:cNvPr id="6" name="矩形 5"/>
+          <p:cNvSpPr/>
+          <p:nvPr/>
+        </p:nvSpPr>
+        <p:spPr>
+          <a:xfrm>
+            <a:off x="1650564" y="4566882"/>
+            <a:ext cx="1431776" cy="1288626"/>
+          </a:xfrm>
+          <a:prstGeom prst="rect">
+            <a:avLst/>
+          </a:prstGeom>
+        </p:spPr>
+        <p:style>
+          <a:lnRef idx="2">
+            <a:schemeClr val="accent1">
+              <a:shade val="50000"/>
+            </a:schemeClr>
+          </a:lnRef>
+          <a:fillRef idx="1">
+            <a:schemeClr val="accent1"/>
+          </a:fillRef>
+          <a:effectRef idx="0">
+            <a:schemeClr val="accent1"/>
+          </a:effectRef>
+          <a:fontRef idx="minor">
+            <a:schemeClr val="lt1"/>
+          </a:fontRef>
+        </p:style>
+        <p:txBody>
+          <a:bodyPr rtlCol="0" anchor="ctr"/>
+          <a:lstStyle/>
+          <a:p>
+            <a:pPr algn="ctr"/>
+            <a:endParaRPr lang="en-US" altLang="zh-TW" sz="1200" dirty="0"/>
+          </a:p>
+          <a:p>
+            <a:pPr algn="ctr"/>
+            <a:endParaRPr lang="en-US" altLang="zh-TW" dirty="0"/>
+          </a:p>
+          <a:p>
+            <a:pPr algn="ctr"/>
+            <a:r>
+              <a:rPr lang="en-US" altLang="zh-TW" dirty="0"/>
+              <a:t>CUBE48~63</a:t>
+            </a:r>
+          </a:p>
+          <a:p>
+            <a:pPr algn="ctr"/>
+            <a:endParaRPr lang="zh-TW" altLang="en-US" sz="1200" dirty="0"/>
+          </a:p>
+          <a:p>
+            <a:pPr algn="ctr"/>
+            <a:endParaRPr lang="zh-TW" altLang="en-US" sz="1200" dirty="0"/>
+          </a:p>
+        </p:txBody>
+      </p:sp>
+      <p:sp>
+        <p:nvSpPr>
+          <p:cNvPr id="7" name="矩形 6"/>
+          <p:cNvSpPr/>
+          <p:nvPr/>
+        </p:nvSpPr>
+        <p:spPr>
+          <a:xfrm>
+            <a:off x="1650564" y="3091034"/>
+            <a:ext cx="1431776" cy="1396012"/>
+          </a:xfrm>
+          <a:prstGeom prst="rect">
+            <a:avLst/>
+          </a:prstGeom>
+        </p:spPr>
+        <p:style>
+          <a:lnRef idx="2">
+            <a:schemeClr val="accent1">
+              <a:shade val="50000"/>
+            </a:schemeClr>
+          </a:lnRef>
+          <a:fillRef idx="1">
+            <a:schemeClr val="accent1"/>
+          </a:fillRef>
+          <a:effectRef idx="0">
+            <a:schemeClr val="accent1"/>
+          </a:effectRef>
+          <a:fontRef idx="minor">
+            <a:schemeClr val="lt1"/>
+          </a:fontRef>
+        </p:style>
+        <p:txBody>
+          <a:bodyPr rtlCol="0" anchor="ctr"/>
+          <a:lstStyle/>
+          <a:p>
+            <a:pPr algn="ctr"/>
+            <a:endParaRPr lang="en-US" altLang="zh-TW" sz="1200" dirty="0"/>
+          </a:p>
+          <a:p>
+            <a:pPr algn="ctr"/>
+            <a:r>
+              <a:rPr lang="en-US" altLang="zh-TW" dirty="0"/>
+              <a:t>CUBE16~31</a:t>
+            </a:r>
+          </a:p>
+          <a:p>
+            <a:pPr algn="ctr"/>
+            <a:endParaRPr lang="zh-TW" altLang="en-US" sz="1200" dirty="0"/>
+          </a:p>
+        </p:txBody>
+      </p:sp>
+      <p:sp>
+        <p:nvSpPr>
+          <p:cNvPr id="11" name="矩形 10"/>
+          <p:cNvSpPr/>
+          <p:nvPr/>
+        </p:nvSpPr>
+        <p:spPr>
+          <a:xfrm>
+            <a:off x="6400786" y="4074970"/>
+            <a:ext cx="576064" cy="576064"/>
+          </a:xfrm>
+          <a:prstGeom prst="rect">
+            <a:avLst/>
+          </a:prstGeom>
+        </p:spPr>
+        <p:style>
+          <a:lnRef idx="2">
+            <a:schemeClr val="accent6">
+              <a:shade val="50000"/>
+            </a:schemeClr>
+          </a:lnRef>
+          <a:fillRef idx="1">
+            <a:schemeClr val="accent6"/>
+          </a:fillRef>
+          <a:effectRef idx="0">
+            <a:schemeClr val="accent6"/>
+          </a:effectRef>
+          <a:fontRef idx="minor">
+            <a:schemeClr val="lt1"/>
+          </a:fontRef>
+        </p:style>
+        <p:txBody>
+          <a:bodyPr rtlCol="0" anchor="ctr"/>
+          <a:lstStyle/>
+          <a:p>
+            <a:pPr algn="ctr"/>
+            <a:r>
+              <a:rPr lang="en-US" altLang="zh-TW" dirty="0"/>
+              <a:t>ID0</a:t>
+            </a:r>
+            <a:endParaRPr lang="zh-TW" altLang="en-US" dirty="0"/>
+          </a:p>
+        </p:txBody>
+      </p:sp>
+      <p:sp>
+        <p:nvSpPr>
+          <p:cNvPr id="12" name="矩形 11"/>
+          <p:cNvSpPr/>
+          <p:nvPr/>
+        </p:nvSpPr>
+        <p:spPr>
+          <a:xfrm>
+            <a:off x="7073844" y="4775070"/>
+            <a:ext cx="576064" cy="576064"/>
+          </a:xfrm>
+          <a:prstGeom prst="rect">
+            <a:avLst/>
+          </a:prstGeom>
+        </p:spPr>
+        <p:style>
+          <a:lnRef idx="2">
+            <a:schemeClr val="accent6">
+              <a:shade val="50000"/>
+            </a:schemeClr>
+          </a:lnRef>
+          <a:fillRef idx="1">
+            <a:schemeClr val="accent6"/>
+          </a:fillRef>
+          <a:effectRef idx="0">
+            <a:schemeClr val="accent6"/>
+          </a:effectRef>
+          <a:fontRef idx="minor">
+            <a:schemeClr val="lt1"/>
+          </a:fontRef>
+        </p:style>
+        <p:txBody>
+          <a:bodyPr rtlCol="0" anchor="ctr"/>
+          <a:lstStyle/>
+          <a:p>
+            <a:pPr algn="ctr"/>
+            <a:r>
+              <a:rPr lang="en-US" altLang="zh-TW" dirty="0"/>
+              <a:t>ID3</a:t>
+            </a:r>
+            <a:endParaRPr lang="zh-TW" altLang="en-US" dirty="0"/>
+          </a:p>
+        </p:txBody>
+      </p:sp>
+      <p:sp>
+        <p:nvSpPr>
+          <p:cNvPr id="13" name="矩形 12"/>
+          <p:cNvSpPr/>
+          <p:nvPr/>
+        </p:nvSpPr>
+        <p:spPr>
+          <a:xfrm>
+            <a:off x="7082188" y="4077444"/>
+            <a:ext cx="576064" cy="576064"/>
+          </a:xfrm>
+          <a:prstGeom prst="rect">
+            <a:avLst/>
+          </a:prstGeom>
+        </p:spPr>
+        <p:style>
+          <a:lnRef idx="2">
+            <a:schemeClr val="accent6">
+              <a:shade val="50000"/>
+            </a:schemeClr>
+          </a:lnRef>
+          <a:fillRef idx="1">
+            <a:schemeClr val="accent6"/>
+          </a:fillRef>
+          <a:effectRef idx="0">
+            <a:schemeClr val="accent6"/>
+          </a:effectRef>
+          <a:fontRef idx="minor">
+            <a:schemeClr val="lt1"/>
+          </a:fontRef>
+        </p:style>
+        <p:txBody>
+          <a:bodyPr rtlCol="0" anchor="ctr"/>
+          <a:lstStyle/>
+          <a:p>
+            <a:pPr algn="ctr"/>
+            <a:r>
+              <a:rPr lang="en-US" altLang="zh-TW" dirty="0"/>
+              <a:t>ID1</a:t>
+            </a:r>
+            <a:endParaRPr lang="zh-TW" altLang="en-US" dirty="0"/>
+          </a:p>
+        </p:txBody>
+      </p:sp>
+      <p:sp>
+        <p:nvSpPr>
+          <p:cNvPr id="14" name="矩形 13"/>
+          <p:cNvSpPr/>
+          <p:nvPr/>
+        </p:nvSpPr>
+        <p:spPr>
+          <a:xfrm>
+            <a:off x="6400786" y="4775070"/>
+            <a:ext cx="576064" cy="576064"/>
+          </a:xfrm>
+          <a:prstGeom prst="rect">
+            <a:avLst/>
+          </a:prstGeom>
+        </p:spPr>
+        <p:style>
+          <a:lnRef idx="2">
+            <a:schemeClr val="accent6">
+              <a:shade val="50000"/>
+            </a:schemeClr>
+          </a:lnRef>
+          <a:fillRef idx="1">
+            <a:schemeClr val="accent6"/>
+          </a:fillRef>
+          <a:effectRef idx="0">
+            <a:schemeClr val="accent6"/>
+          </a:effectRef>
+          <a:fontRef idx="minor">
+            <a:schemeClr val="lt1"/>
+          </a:fontRef>
+        </p:style>
+        <p:txBody>
+          <a:bodyPr rtlCol="0" anchor="ctr"/>
+          <a:lstStyle/>
+          <a:p>
+            <a:pPr algn="ctr"/>
+            <a:r>
+              <a:rPr lang="en-US" altLang="zh-TW" dirty="0"/>
+              <a:t>ID2</a:t>
+            </a:r>
+            <a:endParaRPr lang="zh-TW" altLang="en-US" dirty="0"/>
+          </a:p>
+        </p:txBody>
+      </p:sp>
+      <p:sp>
+        <p:nvSpPr>
+          <p:cNvPr id="17" name="矩形 16"/>
+          <p:cNvSpPr/>
+          <p:nvPr/>
+        </p:nvSpPr>
+        <p:spPr>
+          <a:xfrm>
+            <a:off x="5635644" y="309072"/>
+            <a:ext cx="2520280" cy="2201158"/>
+          </a:xfrm>
+          <a:prstGeom prst="rect">
+            <a:avLst/>
+          </a:prstGeom>
+          <a:noFill/>
+        </p:spPr>
+        <p:style>
+          <a:lnRef idx="2">
+            <a:schemeClr val="accent3">
+              <a:shade val="50000"/>
+            </a:schemeClr>
+          </a:lnRef>
+          <a:fillRef idx="1">
+            <a:schemeClr val="accent3"/>
+          </a:fillRef>
+          <a:effectRef idx="0">
+            <a:schemeClr val="accent3"/>
+          </a:effectRef>
+          <a:fontRef idx="minor">
+            <a:schemeClr val="lt1"/>
+          </a:fontRef>
+        </p:style>
+        <p:txBody>
+          <a:bodyPr rtlCol="0" anchor="ctr"/>
+          <a:lstStyle/>
+          <a:p>
+            <a:pPr algn="ctr"/>
+            <a:endParaRPr lang="zh-TW" altLang="en-US"/>
+          </a:p>
+        </p:txBody>
+      </p:sp>
+      <p:sp>
+        <p:nvSpPr>
+          <p:cNvPr id="26" name="文字方塊 25"/>
+          <p:cNvSpPr txBox="1"/>
+          <p:nvPr/>
+        </p:nvSpPr>
+        <p:spPr>
+          <a:xfrm>
+            <a:off x="5742012" y="332656"/>
+            <a:ext cx="2723679" cy="2800767"/>
+          </a:xfrm>
+          <a:prstGeom prst="rect">
+            <a:avLst/>
+          </a:prstGeom>
+          <a:noFill/>
+        </p:spPr>
+        <p:txBody>
+          <a:bodyPr wrap="square" rtlCol="0">
+            <a:spAutoFit/>
+          </a:bodyPr>
+          <a:lstStyle/>
+          <a:p>
+            <a:r>
+              <a:rPr lang="en-US" altLang="zh-TW" sz="2800" dirty="0"/>
+              <a:t>0  5  10  15  20   0</a:t>
+            </a:r>
+          </a:p>
+          <a:p>
+            <a:r>
+              <a:rPr lang="en-US" altLang="zh-TW" sz="2800" dirty="0"/>
+              <a:t>1  6  11  16  21   0</a:t>
+            </a:r>
+          </a:p>
+          <a:p>
+            <a:r>
+              <a:rPr lang="en-US" altLang="zh-TW" sz="2800" dirty="0"/>
+              <a:t>2  7  12  17  22   0</a:t>
+            </a:r>
+          </a:p>
+          <a:p>
+            <a:r>
+              <a:rPr lang="en-US" altLang="zh-TW" sz="2800" dirty="0"/>
+              <a:t>3  8  13  18  23   0</a:t>
+            </a:r>
+          </a:p>
+          <a:p>
+            <a:r>
+              <a:rPr lang="en-US" altLang="zh-TW" sz="2800" dirty="0"/>
+              <a:t>4  9  14  19  24   0</a:t>
+            </a:r>
+          </a:p>
+          <a:p>
+            <a:r>
+              <a:rPr lang="en-US" altLang="zh-TW" dirty="0"/>
+              <a:t>0     0      0        0       0        0</a:t>
+            </a:r>
+          </a:p>
+          <a:p>
+            <a:endParaRPr lang="zh-TW" altLang="en-US" dirty="0"/>
+          </a:p>
+        </p:txBody>
+      </p:sp>
+      <p:cxnSp>
+        <p:nvCxnSpPr>
+          <p:cNvPr id="28" name="直線接點 27"/>
+          <p:cNvCxnSpPr>
+            <a:endCxn id="35" idx="3"/>
+          </p:cNvCxnSpPr>
+          <p:nvPr/>
+        </p:nvCxnSpPr>
+        <p:spPr>
+          <a:xfrm>
+            <a:off x="5635644" y="1630464"/>
+            <a:ext cx="2905422" cy="18795"/>
+          </a:xfrm>
+          <a:prstGeom prst="line">
+            <a:avLst/>
+          </a:prstGeom>
+        </p:spPr>
+        <p:style>
+          <a:lnRef idx="3">
+            <a:schemeClr val="accent3"/>
+          </a:lnRef>
+          <a:fillRef idx="0">
+            <a:schemeClr val="accent3"/>
+          </a:fillRef>
+          <a:effectRef idx="2">
+            <a:schemeClr val="accent3"/>
+          </a:effectRef>
+          <a:fontRef idx="minor">
+            <a:schemeClr val="tx1"/>
+          </a:fontRef>
+        </p:style>
+      </p:cxnSp>
+      <p:cxnSp>
+        <p:nvCxnSpPr>
+          <p:cNvPr id="32" name="直線接點 31"/>
+          <p:cNvCxnSpPr/>
+          <p:nvPr/>
+        </p:nvCxnSpPr>
+        <p:spPr>
+          <a:xfrm>
+            <a:off x="6976850" y="309072"/>
+            <a:ext cx="0" cy="2592288"/>
+          </a:xfrm>
+          <a:prstGeom prst="line">
+            <a:avLst/>
+          </a:prstGeom>
+        </p:spPr>
+        <p:style>
+          <a:lnRef idx="3">
+            <a:schemeClr val="accent3"/>
+          </a:lnRef>
+          <a:fillRef idx="0">
+            <a:schemeClr val="accent3"/>
+          </a:fillRef>
+          <a:effectRef idx="2">
+            <a:schemeClr val="accent3"/>
+          </a:effectRef>
+          <a:fontRef idx="minor">
+            <a:schemeClr val="tx1"/>
+          </a:fontRef>
+        </p:style>
+      </p:cxnSp>
+      <p:sp>
+        <p:nvSpPr>
+          <p:cNvPr id="48" name="矩形 47"/>
+          <p:cNvSpPr/>
+          <p:nvPr/>
+        </p:nvSpPr>
+        <p:spPr>
+          <a:xfrm>
+            <a:off x="3502436" y="3513760"/>
+            <a:ext cx="1008112" cy="936104"/>
+          </a:xfrm>
+          <a:prstGeom prst="rect">
+            <a:avLst/>
+          </a:prstGeom>
+        </p:spPr>
+        <p:style>
+          <a:lnRef idx="2">
+            <a:schemeClr val="accent3">
+              <a:shade val="50000"/>
+            </a:schemeClr>
+          </a:lnRef>
+          <a:fillRef idx="1">
+            <a:schemeClr val="accent3"/>
+          </a:fillRef>
+          <a:effectRef idx="0">
+            <a:schemeClr val="accent3"/>
+          </a:effectRef>
+          <a:fontRef idx="minor">
+            <a:schemeClr val="lt1"/>
+          </a:fontRef>
+        </p:style>
+        <p:txBody>
+          <a:bodyPr rtlCol="0" anchor="ctr"/>
+          <a:lstStyle/>
+          <a:p>
+            <a:pPr algn="ctr"/>
+            <a:endParaRPr lang="en-US" altLang="zh-TW" sz="1400" dirty="0"/>
+          </a:p>
+          <a:p>
+            <a:pPr algn="ctr"/>
+            <a:r>
+              <a:rPr lang="en-US" altLang="zh-TW" sz="2000" dirty="0"/>
+              <a:t>NO0</a:t>
+            </a:r>
+            <a:endParaRPr lang="zh-TW" altLang="en-US" sz="2000" dirty="0"/>
           </a:p>
           <a:p>
             <a:pPr algn="ctr"/>
@@ -7280,14 +7386,170 @@
       </p:sp>
       <p:sp>
         <p:nvSpPr>
-          <p:cNvPr id="9" name="圓角矩形圖說文字 8"/>
+          <p:cNvPr id="52" name="矩形 51"/>
           <p:cNvSpPr/>
           <p:nvPr/>
         </p:nvSpPr>
         <p:spPr>
           <a:xfrm>
-            <a:off x="2627784" y="3624828"/>
-            <a:ext cx="2520280" cy="1420586"/>
+            <a:off x="4627532" y="4627802"/>
+            <a:ext cx="1008112" cy="936104"/>
+          </a:xfrm>
+          <a:prstGeom prst="rect">
+            <a:avLst/>
+          </a:prstGeom>
+        </p:spPr>
+        <p:style>
+          <a:lnRef idx="2">
+            <a:schemeClr val="accent3">
+              <a:shade val="50000"/>
+            </a:schemeClr>
+          </a:lnRef>
+          <a:fillRef idx="1">
+            <a:schemeClr val="accent3"/>
+          </a:fillRef>
+          <a:effectRef idx="0">
+            <a:schemeClr val="accent3"/>
+          </a:effectRef>
+          <a:fontRef idx="minor">
+            <a:schemeClr val="lt1"/>
+          </a:fontRef>
+        </p:style>
+        <p:txBody>
+          <a:bodyPr rtlCol="0" anchor="ctr"/>
+          <a:lstStyle/>
+          <a:p>
+            <a:pPr algn="ctr"/>
+            <a:endParaRPr lang="en-US" altLang="zh-TW" sz="1400" dirty="0"/>
+          </a:p>
+          <a:p>
+            <a:pPr algn="ctr"/>
+            <a:r>
+              <a:rPr lang="en-US" altLang="zh-TW" sz="2000" dirty="0"/>
+              <a:t>NO3</a:t>
+            </a:r>
+            <a:endParaRPr lang="zh-TW" altLang="en-US" sz="2000" dirty="0"/>
+          </a:p>
+          <a:p>
+            <a:pPr algn="ctr"/>
+            <a:endParaRPr lang="zh-TW" altLang="en-US" sz="1400" dirty="0"/>
+          </a:p>
+        </p:txBody>
+      </p:sp>
+      <p:sp>
+        <p:nvSpPr>
+          <p:cNvPr id="53" name="矩形 52"/>
+          <p:cNvSpPr/>
+          <p:nvPr/>
+        </p:nvSpPr>
+        <p:spPr>
+          <a:xfrm>
+            <a:off x="4600410" y="3550079"/>
+            <a:ext cx="1008112" cy="936104"/>
+          </a:xfrm>
+          <a:prstGeom prst="rect">
+            <a:avLst/>
+          </a:prstGeom>
+        </p:spPr>
+        <p:style>
+          <a:lnRef idx="2">
+            <a:schemeClr val="accent3">
+              <a:shade val="50000"/>
+            </a:schemeClr>
+          </a:lnRef>
+          <a:fillRef idx="1">
+            <a:schemeClr val="accent3"/>
+          </a:fillRef>
+          <a:effectRef idx="0">
+            <a:schemeClr val="accent3"/>
+          </a:effectRef>
+          <a:fontRef idx="minor">
+            <a:schemeClr val="lt1"/>
+          </a:fontRef>
+        </p:style>
+        <p:txBody>
+          <a:bodyPr rtlCol="0" anchor="ctr"/>
+          <a:lstStyle/>
+          <a:p>
+            <a:pPr algn="ctr"/>
+            <a:endParaRPr lang="en-US" altLang="zh-TW" sz="1400" dirty="0"/>
+          </a:p>
+          <a:p>
+            <a:pPr algn="ctr"/>
+            <a:r>
+              <a:rPr lang="en-US" altLang="zh-TW" sz="2000" dirty="0"/>
+              <a:t>NO1</a:t>
+            </a:r>
+            <a:endParaRPr lang="zh-TW" altLang="en-US" sz="2000" dirty="0"/>
+          </a:p>
+          <a:p>
+            <a:pPr algn="ctr"/>
+            <a:endParaRPr lang="zh-TW" altLang="en-US" sz="1400" dirty="0"/>
+          </a:p>
+        </p:txBody>
+      </p:sp>
+      <p:sp>
+        <p:nvSpPr>
+          <p:cNvPr id="54" name="矩形 53"/>
+          <p:cNvSpPr/>
+          <p:nvPr/>
+        </p:nvSpPr>
+        <p:spPr>
+          <a:xfrm>
+            <a:off x="3512016" y="4595050"/>
+            <a:ext cx="1008112" cy="936104"/>
+          </a:xfrm>
+          <a:prstGeom prst="rect">
+            <a:avLst/>
+          </a:prstGeom>
+        </p:spPr>
+        <p:style>
+          <a:lnRef idx="2">
+            <a:schemeClr val="accent3">
+              <a:shade val="50000"/>
+            </a:schemeClr>
+          </a:lnRef>
+          <a:fillRef idx="1">
+            <a:schemeClr val="accent3"/>
+          </a:fillRef>
+          <a:effectRef idx="0">
+            <a:schemeClr val="accent3"/>
+          </a:effectRef>
+          <a:fontRef idx="minor">
+            <a:schemeClr val="lt1"/>
+          </a:fontRef>
+        </p:style>
+        <p:txBody>
+          <a:bodyPr rtlCol="0" anchor="ctr"/>
+          <a:lstStyle/>
+          <a:p>
+            <a:pPr algn="ctr"/>
+            <a:endParaRPr lang="en-US" altLang="zh-TW" sz="1400" dirty="0"/>
+          </a:p>
+          <a:p>
+            <a:pPr algn="ctr"/>
+            <a:r>
+              <a:rPr lang="en-US" altLang="zh-TW" sz="2000" dirty="0"/>
+              <a:t>NO2</a:t>
+            </a:r>
+            <a:endParaRPr lang="zh-TW" altLang="en-US" sz="2000" dirty="0"/>
+          </a:p>
+          <a:p>
+            <a:pPr algn="ctr"/>
+            <a:endParaRPr lang="zh-TW" altLang="en-US" sz="1400" dirty="0"/>
+          </a:p>
+        </p:txBody>
+      </p:sp>
+      <p:sp>
+        <p:nvSpPr>
+          <p:cNvPr id="59" name="圓角矩形圖說文字 58"/>
+          <p:cNvSpPr/>
+          <p:nvPr/>
+        </p:nvSpPr>
+        <p:spPr>
+          <a:xfrm>
+            <a:off x="3262144" y="3319927"/>
+            <a:ext cx="2520280" cy="2426198"/>
           </a:xfrm>
           <a:prstGeom prst="wedgeRoundRectCallout">
             <a:avLst>
@@ -7323,118 +7585,14 @@
       </p:sp>
       <p:sp>
         <p:nvSpPr>
-          <p:cNvPr id="10" name="矩形 9"/>
+          <p:cNvPr id="60" name="圓角矩形圖說文字 59"/>
           <p:cNvSpPr/>
           <p:nvPr/>
         </p:nvSpPr>
         <p:spPr>
           <a:xfrm>
-            <a:off x="2879812" y="3789040"/>
-            <a:ext cx="1008112" cy="936104"/>
-          </a:xfrm>
-          <a:prstGeom prst="rect">
-            <a:avLst/>
-          </a:prstGeom>
-        </p:spPr>
-        <p:style>
-          <a:lnRef idx="2">
-            <a:schemeClr val="accent3">
-              <a:shade val="50000"/>
-            </a:schemeClr>
-          </a:lnRef>
-          <a:fillRef idx="1">
-            <a:schemeClr val="accent3"/>
-          </a:fillRef>
-          <a:effectRef idx="0">
-            <a:schemeClr val="accent3"/>
-          </a:effectRef>
-          <a:fontRef idx="minor">
-            <a:schemeClr val="lt1"/>
-          </a:fontRef>
-        </p:style>
-        <p:txBody>
-          <a:bodyPr rtlCol="0" anchor="ctr"/>
-          <a:lstStyle/>
-          <a:p>
-            <a:pPr algn="ctr"/>
-            <a:endParaRPr lang="en-US" altLang="zh-TW" sz="1400" dirty="0" smtClean="0"/>
-          </a:p>
-          <a:p>
-            <a:pPr algn="ctr"/>
-            <a:r>
-              <a:rPr lang="en-US" altLang="zh-TW" sz="2000" dirty="0" smtClean="0"/>
-              <a:t>NO0</a:t>
-            </a:r>
-            <a:endParaRPr lang="zh-TW" altLang="en-US" sz="2000" dirty="0"/>
-          </a:p>
-          <a:p>
-            <a:pPr algn="ctr"/>
-            <a:endParaRPr lang="zh-TW" altLang="en-US" sz="1400" dirty="0"/>
-          </a:p>
-        </p:txBody>
-      </p:sp>
-      <p:sp>
-        <p:nvSpPr>
-          <p:cNvPr id="11" name="矩形 10"/>
-          <p:cNvSpPr/>
-          <p:nvPr/>
-        </p:nvSpPr>
-        <p:spPr>
-          <a:xfrm>
-            <a:off x="3973348" y="3789040"/>
-            <a:ext cx="1008112" cy="936104"/>
-          </a:xfrm>
-          <a:prstGeom prst="rect">
-            <a:avLst/>
-          </a:prstGeom>
-        </p:spPr>
-        <p:style>
-          <a:lnRef idx="2">
-            <a:schemeClr val="accent3">
-              <a:shade val="50000"/>
-            </a:schemeClr>
-          </a:lnRef>
-          <a:fillRef idx="1">
-            <a:schemeClr val="accent3"/>
-          </a:fillRef>
-          <a:effectRef idx="0">
-            <a:schemeClr val="accent3"/>
-          </a:effectRef>
-          <a:fontRef idx="minor">
-            <a:schemeClr val="lt1"/>
-          </a:fontRef>
-        </p:style>
-        <p:txBody>
-          <a:bodyPr rtlCol="0" anchor="ctr"/>
-          <a:lstStyle/>
-          <a:p>
-            <a:pPr algn="ctr"/>
-            <a:endParaRPr lang="en-US" altLang="zh-TW" sz="1400" dirty="0" smtClean="0"/>
-          </a:p>
-          <a:p>
-            <a:pPr algn="ctr"/>
-            <a:r>
-              <a:rPr lang="en-US" altLang="zh-TW" sz="2000" dirty="0" smtClean="0"/>
-              <a:t>NO1</a:t>
-            </a:r>
-            <a:endParaRPr lang="zh-TW" altLang="en-US" sz="2000" dirty="0"/>
-          </a:p>
-          <a:p>
-            <a:pPr algn="ctr"/>
-            <a:endParaRPr lang="zh-TW" altLang="en-US" sz="1400" dirty="0"/>
-          </a:p>
-        </p:txBody>
-      </p:sp>
-      <p:sp>
-        <p:nvSpPr>
-          <p:cNvPr id="12" name="圓角矩形圖說文字 11"/>
-          <p:cNvSpPr/>
-          <p:nvPr/>
-        </p:nvSpPr>
-        <p:spPr>
-          <a:xfrm flipV="1">
-            <a:off x="5436096" y="3573016"/>
-            <a:ext cx="2664296" cy="2304256"/>
+            <a:off x="6012160" y="3717032"/>
+            <a:ext cx="2016224" cy="1944216"/>
           </a:xfrm>
           <a:prstGeom prst="wedgeRoundRectCallout">
             <a:avLst>
@@ -7468,6 +7626,424 @@
           </a:p>
         </p:txBody>
       </p:sp>
+      <p:cxnSp>
+        <p:nvCxnSpPr>
+          <p:cNvPr id="63" name="直線接點 62"/>
+          <p:cNvCxnSpPr>
+            <a:endCxn id="60" idx="0"/>
+          </p:cNvCxnSpPr>
+          <p:nvPr/>
+        </p:nvCxnSpPr>
+        <p:spPr>
+          <a:xfrm>
+            <a:off x="7020272" y="2965862"/>
+            <a:ext cx="0" cy="751170"/>
+          </a:xfrm>
+          <a:prstGeom prst="line">
+            <a:avLst/>
+          </a:prstGeom>
+        </p:spPr>
+        <p:style>
+          <a:lnRef idx="3">
+            <a:schemeClr val="accent6"/>
+          </a:lnRef>
+          <a:fillRef idx="0">
+            <a:schemeClr val="accent6"/>
+          </a:fillRef>
+          <a:effectRef idx="2">
+            <a:schemeClr val="accent6"/>
+          </a:effectRef>
+          <a:fontRef idx="minor">
+            <a:schemeClr val="tx1"/>
+          </a:fontRef>
+        </p:style>
+      </p:cxnSp>
+    </p:spTree>
+    <p:extLst>
+      <p:ext uri="{BB962C8B-B14F-4D97-AF65-F5344CB8AC3E}">
+        <p14:creationId xmlns:p14="http://schemas.microsoft.com/office/powerpoint/2010/main" val="2037623647"/>
+      </p:ext>
+    </p:extLst>
+  </p:cSld>
+  <p:clrMapOvr>
+    <a:masterClrMapping/>
+  </p:clrMapOvr>
+</p:sld>
+</file>
+
+<file path=ppt/slides/slide5.xml><?xml version="1.0" encoding="utf-8"?>
+<p:sld xmlns:a="http://schemas.openxmlformats.org/drawingml/2006/main" xmlns:r="http://schemas.openxmlformats.org/officeDocument/2006/relationships" xmlns:p="http://schemas.openxmlformats.org/presentationml/2006/main">
+  <p:cSld>
+    <p:spTree>
+      <p:nvGrpSpPr>
+        <p:cNvPr id="1" name=""/>
+        <p:cNvGrpSpPr/>
+        <p:nvPr/>
+      </p:nvGrpSpPr>
+      <p:grpSpPr>
+        <a:xfrm>
+          <a:off x="0" y="0"/>
+          <a:ext cx="0" cy="0"/>
+          <a:chOff x="0" y="0"/>
+          <a:chExt cx="0" cy="0"/>
+        </a:xfrm>
+      </p:grpSpPr>
+      <p:sp>
+        <p:nvSpPr>
+          <p:cNvPr id="2" name="矩形 1"/>
+          <p:cNvSpPr/>
+          <p:nvPr/>
+        </p:nvSpPr>
+        <p:spPr>
+          <a:xfrm>
+            <a:off x="711047" y="620688"/>
+            <a:ext cx="534122" cy="369332"/>
+          </a:xfrm>
+          <a:prstGeom prst="rect">
+            <a:avLst/>
+          </a:prstGeom>
+        </p:spPr>
+        <p:txBody>
+          <a:bodyPr wrap="none">
+            <a:spAutoFit/>
+          </a:bodyPr>
+          <a:lstStyle/>
+          <a:p>
+            <a:pPr algn="ctr"/>
+            <a:r>
+              <a:rPr lang="en-US" altLang="zh-TW" dirty="0"/>
+              <a:t>7*7</a:t>
+            </a:r>
+            <a:endParaRPr lang="zh-TW" altLang="en-US" dirty="0"/>
+          </a:p>
+        </p:txBody>
+      </p:sp>
+      <p:sp>
+        <p:nvSpPr>
+          <p:cNvPr id="3" name="矩形 2"/>
+          <p:cNvSpPr/>
+          <p:nvPr/>
+        </p:nvSpPr>
+        <p:spPr>
+          <a:xfrm>
+            <a:off x="467544" y="1772816"/>
+            <a:ext cx="2880320" cy="646331"/>
+          </a:xfrm>
+          <a:prstGeom prst="rect">
+            <a:avLst/>
+          </a:prstGeom>
+        </p:spPr>
+        <p:txBody>
+          <a:bodyPr wrap="square">
+            <a:spAutoFit/>
+          </a:bodyPr>
+          <a:lstStyle/>
+          <a:p>
+            <a:r>
+              <a:rPr lang="en-US" altLang="zh-TW" dirty="0"/>
+              <a:t>CUBE0~31     =&gt;   channal_0</a:t>
+            </a:r>
+          </a:p>
+          <a:p>
+            <a:r>
+              <a:rPr lang="en-US" altLang="zh-TW" dirty="0"/>
+              <a:t>CUBE32~63   =&gt;   channal_1</a:t>
+            </a:r>
+          </a:p>
+        </p:txBody>
+      </p:sp>
+      <p:sp>
+        <p:nvSpPr>
+          <p:cNvPr id="4" name="矩形 3"/>
+          <p:cNvSpPr/>
+          <p:nvPr/>
+        </p:nvSpPr>
+        <p:spPr>
+          <a:xfrm>
+            <a:off x="224880" y="3429000"/>
+            <a:ext cx="2258888" cy="1396012"/>
+          </a:xfrm>
+          <a:prstGeom prst="rect">
+            <a:avLst/>
+          </a:prstGeom>
+        </p:spPr>
+        <p:style>
+          <a:lnRef idx="2">
+            <a:schemeClr val="accent1">
+              <a:shade val="50000"/>
+            </a:schemeClr>
+          </a:lnRef>
+          <a:fillRef idx="1">
+            <a:schemeClr val="accent1"/>
+          </a:fillRef>
+          <a:effectRef idx="0">
+            <a:schemeClr val="accent1"/>
+          </a:effectRef>
+          <a:fontRef idx="minor">
+            <a:schemeClr val="lt1"/>
+          </a:fontRef>
+        </p:style>
+        <p:txBody>
+          <a:bodyPr rtlCol="0" anchor="ctr"/>
+          <a:lstStyle/>
+          <a:p>
+            <a:pPr algn="ctr"/>
+            <a:endParaRPr lang="en-US" altLang="zh-TW" sz="1400" dirty="0"/>
+          </a:p>
+          <a:p>
+            <a:pPr algn="ctr"/>
+            <a:r>
+              <a:rPr lang="en-US" altLang="zh-TW" sz="2000" dirty="0"/>
+              <a:t>CUBE0~31</a:t>
+            </a:r>
+          </a:p>
+          <a:p>
+            <a:pPr algn="ctr"/>
+            <a:endParaRPr lang="zh-TW" altLang="en-US" sz="1400" dirty="0"/>
+          </a:p>
+        </p:txBody>
+      </p:sp>
+      <p:sp>
+        <p:nvSpPr>
+          <p:cNvPr id="8" name="矩形 7"/>
+          <p:cNvSpPr/>
+          <p:nvPr/>
+        </p:nvSpPr>
+        <p:spPr>
+          <a:xfrm>
+            <a:off x="224880" y="4934509"/>
+            <a:ext cx="2258888" cy="1396012"/>
+          </a:xfrm>
+          <a:prstGeom prst="rect">
+            <a:avLst/>
+          </a:prstGeom>
+        </p:spPr>
+        <p:style>
+          <a:lnRef idx="2">
+            <a:schemeClr val="accent1">
+              <a:shade val="50000"/>
+            </a:schemeClr>
+          </a:lnRef>
+          <a:fillRef idx="1">
+            <a:schemeClr val="accent1"/>
+          </a:fillRef>
+          <a:effectRef idx="0">
+            <a:schemeClr val="accent1"/>
+          </a:effectRef>
+          <a:fontRef idx="minor">
+            <a:schemeClr val="lt1"/>
+          </a:fontRef>
+        </p:style>
+        <p:txBody>
+          <a:bodyPr rtlCol="0" anchor="ctr"/>
+          <a:lstStyle/>
+          <a:p>
+            <a:pPr algn="ctr"/>
+            <a:endParaRPr lang="en-US" altLang="zh-TW" sz="1400" dirty="0"/>
+          </a:p>
+          <a:p>
+            <a:pPr algn="ctr"/>
+            <a:r>
+              <a:rPr lang="en-US" altLang="zh-TW" sz="2000" dirty="0"/>
+              <a:t>CUBE32~63</a:t>
+            </a:r>
+          </a:p>
+          <a:p>
+            <a:pPr algn="ctr"/>
+            <a:endParaRPr lang="zh-TW" altLang="en-US" sz="1400" dirty="0"/>
+          </a:p>
+        </p:txBody>
+      </p:sp>
+      <p:sp>
+        <p:nvSpPr>
+          <p:cNvPr id="9" name="圓角矩形圖說文字 8"/>
+          <p:cNvSpPr/>
+          <p:nvPr/>
+        </p:nvSpPr>
+        <p:spPr>
+          <a:xfrm>
+            <a:off x="2627784" y="3624828"/>
+            <a:ext cx="2520280" cy="1420586"/>
+          </a:xfrm>
+          <a:prstGeom prst="wedgeRoundRectCallout">
+            <a:avLst>
+              <a:gd name="adj1" fmla="val -59644"/>
+              <a:gd name="adj2" fmla="val -22041"/>
+              <a:gd name="adj3" fmla="val 16667"/>
+            </a:avLst>
+          </a:prstGeom>
+          <a:noFill/>
+        </p:spPr>
+        <p:style>
+          <a:lnRef idx="2">
+            <a:schemeClr val="accent3"/>
+          </a:lnRef>
+          <a:fillRef idx="1">
+            <a:schemeClr val="lt1"/>
+          </a:fillRef>
+          <a:effectRef idx="0">
+            <a:schemeClr val="accent3"/>
+          </a:effectRef>
+          <a:fontRef idx="minor">
+            <a:schemeClr val="dk1"/>
+          </a:fontRef>
+        </p:style>
+        <p:txBody>
+          <a:bodyPr rtlCol="0" anchor="ctr"/>
+          <a:lstStyle/>
+          <a:p>
+            <a:pPr algn="ctr"/>
+            <a:endParaRPr lang="zh-TW" altLang="en-US"/>
+          </a:p>
+        </p:txBody>
+      </p:sp>
+      <p:sp>
+        <p:nvSpPr>
+          <p:cNvPr id="10" name="矩形 9"/>
+          <p:cNvSpPr/>
+          <p:nvPr/>
+        </p:nvSpPr>
+        <p:spPr>
+          <a:xfrm>
+            <a:off x="2879812" y="3789040"/>
+            <a:ext cx="1008112" cy="936104"/>
+          </a:xfrm>
+          <a:prstGeom prst="rect">
+            <a:avLst/>
+          </a:prstGeom>
+        </p:spPr>
+        <p:style>
+          <a:lnRef idx="2">
+            <a:schemeClr val="accent3">
+              <a:shade val="50000"/>
+            </a:schemeClr>
+          </a:lnRef>
+          <a:fillRef idx="1">
+            <a:schemeClr val="accent3"/>
+          </a:fillRef>
+          <a:effectRef idx="0">
+            <a:schemeClr val="accent3"/>
+          </a:effectRef>
+          <a:fontRef idx="minor">
+            <a:schemeClr val="lt1"/>
+          </a:fontRef>
+        </p:style>
+        <p:txBody>
+          <a:bodyPr rtlCol="0" anchor="ctr"/>
+          <a:lstStyle/>
+          <a:p>
+            <a:pPr algn="ctr"/>
+            <a:endParaRPr lang="en-US" altLang="zh-TW" sz="1400" dirty="0"/>
+          </a:p>
+          <a:p>
+            <a:pPr algn="ctr"/>
+            <a:r>
+              <a:rPr lang="en-US" altLang="zh-TW" sz="2000" dirty="0"/>
+              <a:t>NO0</a:t>
+            </a:r>
+            <a:endParaRPr lang="zh-TW" altLang="en-US" sz="2000" dirty="0"/>
+          </a:p>
+          <a:p>
+            <a:pPr algn="ctr"/>
+            <a:endParaRPr lang="zh-TW" altLang="en-US" sz="1400" dirty="0"/>
+          </a:p>
+        </p:txBody>
+      </p:sp>
+      <p:sp>
+        <p:nvSpPr>
+          <p:cNvPr id="11" name="矩形 10"/>
+          <p:cNvSpPr/>
+          <p:nvPr/>
+        </p:nvSpPr>
+        <p:spPr>
+          <a:xfrm>
+            <a:off x="3973348" y="3789040"/>
+            <a:ext cx="1008112" cy="936104"/>
+          </a:xfrm>
+          <a:prstGeom prst="rect">
+            <a:avLst/>
+          </a:prstGeom>
+        </p:spPr>
+        <p:style>
+          <a:lnRef idx="2">
+            <a:schemeClr val="accent3">
+              <a:shade val="50000"/>
+            </a:schemeClr>
+          </a:lnRef>
+          <a:fillRef idx="1">
+            <a:schemeClr val="accent3"/>
+          </a:fillRef>
+          <a:effectRef idx="0">
+            <a:schemeClr val="accent3"/>
+          </a:effectRef>
+          <a:fontRef idx="minor">
+            <a:schemeClr val="lt1"/>
+          </a:fontRef>
+        </p:style>
+        <p:txBody>
+          <a:bodyPr rtlCol="0" anchor="ctr"/>
+          <a:lstStyle/>
+          <a:p>
+            <a:pPr algn="ctr"/>
+            <a:endParaRPr lang="en-US" altLang="zh-TW" sz="1400" dirty="0"/>
+          </a:p>
+          <a:p>
+            <a:pPr algn="ctr"/>
+            <a:r>
+              <a:rPr lang="en-US" altLang="zh-TW" sz="2000" dirty="0"/>
+              <a:t>NO1</a:t>
+            </a:r>
+            <a:endParaRPr lang="zh-TW" altLang="en-US" sz="2000" dirty="0"/>
+          </a:p>
+          <a:p>
+            <a:pPr algn="ctr"/>
+            <a:endParaRPr lang="zh-TW" altLang="en-US" sz="1400" dirty="0"/>
+          </a:p>
+        </p:txBody>
+      </p:sp>
+      <p:sp>
+        <p:nvSpPr>
+          <p:cNvPr id="12" name="圓角矩形圖說文字 11"/>
+          <p:cNvSpPr/>
+          <p:nvPr/>
+        </p:nvSpPr>
+        <p:spPr>
+          <a:xfrm flipV="1">
+            <a:off x="5436096" y="3573016"/>
+            <a:ext cx="2664296" cy="2304256"/>
+          </a:xfrm>
+          <a:prstGeom prst="wedgeRoundRectCallout">
+            <a:avLst>
+              <a:gd name="adj1" fmla="val -75168"/>
+              <a:gd name="adj2" fmla="val 20171"/>
+              <a:gd name="adj3" fmla="val 16667"/>
+            </a:avLst>
+          </a:prstGeom>
+          <a:noFill/>
+        </p:spPr>
+        <p:style>
+          <a:lnRef idx="2">
+            <a:schemeClr val="accent6"/>
+          </a:lnRef>
+          <a:fillRef idx="1">
+            <a:schemeClr val="lt1"/>
+          </a:fillRef>
+          <a:effectRef idx="0">
+            <a:schemeClr val="accent6"/>
+          </a:effectRef>
+          <a:fontRef idx="minor">
+            <a:schemeClr val="dk1"/>
+          </a:fontRef>
+        </p:style>
+        <p:txBody>
+          <a:bodyPr rtlCol="0" anchor="ctr"/>
+          <a:lstStyle/>
+          <a:p>
+            <a:pPr algn="ctr"/>
+            <a:endParaRPr lang="zh-TW" altLang="en-US"/>
+          </a:p>
+        </p:txBody>
+      </p:sp>
       <p:sp>
         <p:nvSpPr>
           <p:cNvPr id="13" name="矩形 12"/>
@@ -7505,7 +8081,7 @@
           <a:p>
             <a:pPr algn="ctr"/>
             <a:r>
-              <a:rPr lang="en-US" altLang="zh-TW" dirty="0" smtClean="0"/>
+              <a:rPr lang="en-US" altLang="zh-TW" dirty="0"/>
               <a:t>ID0</a:t>
             </a:r>
             <a:endParaRPr lang="zh-TW" altLang="en-US" dirty="0"/>
@@ -7549,7 +8125,7 @@
           <a:p>
             <a:pPr algn="ctr"/>
             <a:r>
-              <a:rPr lang="en-US" altLang="zh-TW" dirty="0" smtClean="0"/>
+              <a:rPr lang="en-US" altLang="zh-TW" dirty="0"/>
               <a:t>ID1</a:t>
             </a:r>
             <a:endParaRPr lang="zh-TW" altLang="en-US" dirty="0"/>
@@ -7593,7 +8169,7 @@
           <a:p>
             <a:pPr algn="ctr"/>
             <a:r>
-              <a:rPr lang="en-US" altLang="zh-TW" dirty="0" smtClean="0"/>
+              <a:rPr lang="en-US" altLang="zh-TW" dirty="0"/>
               <a:t>ID2</a:t>
             </a:r>
             <a:endParaRPr lang="zh-TW" altLang="en-US" dirty="0"/>
@@ -7637,7 +8213,7 @@
           <a:p>
             <a:pPr algn="ctr"/>
             <a:r>
-              <a:rPr lang="en-US" altLang="zh-TW" dirty="0" smtClean="0"/>
+              <a:rPr lang="en-US" altLang="zh-TW" dirty="0"/>
               <a:t>ID4</a:t>
             </a:r>
             <a:endParaRPr lang="zh-TW" altLang="en-US" dirty="0"/>
@@ -7681,7 +8257,7 @@
           <a:p>
             <a:pPr algn="ctr"/>
             <a:r>
-              <a:rPr lang="en-US" altLang="zh-TW" dirty="0" smtClean="0"/>
+              <a:rPr lang="en-US" altLang="zh-TW" dirty="0"/>
               <a:t>ID5</a:t>
             </a:r>
             <a:endParaRPr lang="zh-TW" altLang="en-US" dirty="0"/>
@@ -7725,7 +8301,7 @@
           <a:p>
             <a:pPr algn="ctr"/>
             <a:r>
-              <a:rPr lang="en-US" altLang="zh-TW" dirty="0" smtClean="0"/>
+              <a:rPr lang="en-US" altLang="zh-TW" dirty="0"/>
               <a:t>ID7</a:t>
             </a:r>
             <a:endParaRPr lang="zh-TW" altLang="en-US" dirty="0"/>
@@ -7769,7 +8345,7 @@
           <a:p>
             <a:pPr algn="ctr"/>
             <a:r>
-              <a:rPr lang="en-US" altLang="zh-TW" dirty="0" smtClean="0"/>
+              <a:rPr lang="en-US" altLang="zh-TW" dirty="0"/>
               <a:t>ID8</a:t>
             </a:r>
             <a:endParaRPr lang="zh-TW" altLang="en-US" dirty="0"/>
@@ -7813,7 +8389,7 @@
           <a:p>
             <a:pPr algn="ctr"/>
             <a:r>
-              <a:rPr lang="en-US" altLang="zh-TW" dirty="0" smtClean="0"/>
+              <a:rPr lang="en-US" altLang="zh-TW" dirty="0"/>
               <a:t>ID3</a:t>
             </a:r>
             <a:endParaRPr lang="zh-TW" altLang="en-US" dirty="0"/>
@@ -7857,7 +8433,7 @@
           <a:p>
             <a:pPr algn="ctr"/>
             <a:r>
-              <a:rPr lang="en-US" altLang="zh-TW" dirty="0" smtClean="0"/>
+              <a:rPr lang="en-US" altLang="zh-TW" dirty="0"/>
               <a:t>ID6</a:t>
             </a:r>
             <a:endParaRPr lang="zh-TW" altLang="en-US" dirty="0"/>
@@ -7887,49 +8463,49 @@
           <a:lstStyle/>
           <a:p>
             <a:r>
-              <a:rPr lang="en-US" altLang="zh-TW" sz="2000" dirty="0" smtClean="0"/>
+              <a:rPr lang="en-US" altLang="zh-TW" sz="2000" dirty="0"/>
               <a:t>0  7   14  21 28 35 42   0 0</a:t>
             </a:r>
           </a:p>
           <a:p>
             <a:r>
-              <a:rPr lang="en-US" altLang="zh-TW" sz="2000" dirty="0" smtClean="0"/>
+              <a:rPr lang="en-US" altLang="zh-TW" sz="2000" dirty="0"/>
               <a:t>1  8   15  22 29 36 43   0 0</a:t>
             </a:r>
           </a:p>
           <a:p>
             <a:r>
-              <a:rPr lang="en-US" altLang="zh-TW" sz="2000" dirty="0" smtClean="0"/>
+              <a:rPr lang="en-US" altLang="zh-TW" sz="2000" dirty="0"/>
               <a:t>2  9   16  23 30 37 44   0 0</a:t>
             </a:r>
           </a:p>
           <a:p>
             <a:r>
-              <a:rPr lang="en-US" altLang="zh-TW" sz="2000" dirty="0" smtClean="0"/>
+              <a:rPr lang="en-US" altLang="zh-TW" sz="2000" dirty="0"/>
               <a:t>3  10 17  24 31 38 45   0 0</a:t>
             </a:r>
           </a:p>
           <a:p>
             <a:r>
-              <a:rPr lang="en-US" altLang="zh-TW" sz="2000" dirty="0" smtClean="0"/>
+              <a:rPr lang="en-US" altLang="zh-TW" sz="2000" dirty="0"/>
               <a:t>4  11 18  25 32 39 46   0 0</a:t>
             </a:r>
           </a:p>
           <a:p>
             <a:r>
-              <a:rPr lang="en-US" altLang="zh-TW" sz="2000" dirty="0" smtClean="0"/>
+              <a:rPr lang="en-US" altLang="zh-TW" sz="2000" dirty="0"/>
               <a:t>5  12 19  26 33 40 47   0 0</a:t>
             </a:r>
           </a:p>
           <a:p>
             <a:r>
-              <a:rPr lang="en-US" altLang="zh-TW" sz="2000" dirty="0" smtClean="0"/>
+              <a:rPr lang="en-US" altLang="zh-TW" sz="2000" dirty="0"/>
               <a:t>6  13 20  27 34 41 48   0 0 0   0  0      0   0    0   0   0 0</a:t>
             </a:r>
           </a:p>
           <a:p>
             <a:r>
-              <a:rPr lang="en-US" altLang="zh-TW" sz="2000" dirty="0" smtClean="0"/>
+              <a:rPr lang="en-US" altLang="zh-TW" sz="2000" dirty="0"/>
               <a:t>0   0  0      0   0    0    0  0 0</a:t>
             </a:r>
           </a:p>
